--- a/slides/KeyStone NETCP PA.pptx
+++ b/slides/KeyStone NETCP PA.pptx
@@ -287,10 +287,10 @@
             </a:lvl1pPr>
           </a:lstStyle>
           <a:p>
-            <a:fld id="{0D52C1B0-B041-4D75-A50F-1B9D3CE5301C}" type="datetimeFigureOut">
+            <a:fld id="{C4243DA2-409E-466F-935D-A70D0972ADE2}" type="datetimeFigureOut">
               <a:rPr lang="en-US"/>
               <a:pPr/>
-              <a:t>2/8/2012</a:t>
+              <a:t>3/6/2012</a:t>
             </a:fld>
             <a:endParaRPr lang="en-US"/>
           </a:p>
@@ -378,7 +378,7 @@
             </a:lvl1pPr>
           </a:lstStyle>
           <a:p>
-            <a:fld id="{2EBCE529-1C33-4816-A8E5-D418851ED0E6}" type="slidenum">
+            <a:fld id="{165031C7-46A4-40D5-B47F-79DDD51F8E65}" type="slidenum">
               <a:rPr lang="en-US"/>
               <a:pPr/>
               <a:t>‹#›</a:t>
@@ -681,7 +681,7 @@
             </a:lvl1pPr>
           </a:lstStyle>
           <a:p>
-            <a:fld id="{AA476370-E976-4911-82F4-F16E90933558}" type="slidenum">
+            <a:fld id="{A1F52BA9-DCA8-424F-99F2-6F1ED5796441}" type="slidenum">
               <a:rPr lang="en-US"/>
               <a:pPr/>
               <a:t>‹#›</a:t>
@@ -911,7 +911,7 @@
           <a:bodyPr/>
           <a:lstStyle/>
           <a:p>
-            <a:fld id="{0DFD341D-80FE-41A2-8B11-D0F61A0B510F}" type="slidenum">
+            <a:fld id="{B306C636-8A70-4EB4-960D-D7A22151FA07}" type="slidenum">
               <a:rPr lang="en-US"/>
               <a:pPr/>
               <a:t>10</a:t>
@@ -1072,7 +1072,7 @@
           <a:bodyPr/>
           <a:lstStyle/>
           <a:p>
-            <a:fld id="{2A833259-873B-4B91-BCAB-4046489CA40B}" type="slidenum">
+            <a:fld id="{03F9C715-D87F-49BE-A38B-2B220083F5B5}" type="slidenum">
               <a:rPr lang="en-US"/>
               <a:pPr/>
               <a:t>11</a:t>
@@ -1233,7 +1233,7 @@
           <a:lstStyle/>
           <a:p>
             <a:pPr defTabSz="957263"/>
-            <a:fld id="{50A06652-5855-4B8A-A014-D1396E127DDC}" type="slidenum">
+            <a:fld id="{A0EE3805-B242-4AD6-B964-A2367F57B1C7}" type="slidenum">
               <a:rPr lang="en-US" sz="1200"/>
               <a:pPr defTabSz="957263"/>
               <a:t>12</a:t>
@@ -1319,7 +1319,7 @@
           <a:bodyPr/>
           <a:lstStyle/>
           <a:p>
-            <a:fld id="{4423F2C9-5113-4F32-8815-E631879EC416}" type="slidenum">
+            <a:fld id="{482B35DF-C459-4B89-829A-7941B97CFBED}" type="slidenum">
               <a:rPr lang="en-US"/>
               <a:pPr/>
               <a:t>13</a:t>
@@ -1420,7 +1420,7 @@
           <a:bodyPr/>
           <a:lstStyle/>
           <a:p>
-            <a:fld id="{D9A19E13-A4FD-4720-A9BF-5288CFD4344E}" type="slidenum">
+            <a:fld id="{A8634C64-1467-4D53-B588-B98B6AEE8D11}" type="slidenum">
               <a:rPr lang="en-US"/>
               <a:pPr/>
               <a:t>14</a:t>
@@ -1532,7 +1532,7 @@
           <a:bodyPr/>
           <a:lstStyle/>
           <a:p>
-            <a:fld id="{8371CBF5-5495-4DFD-957D-742AA2114EC3}" type="slidenum">
+            <a:fld id="{60389E9A-4C92-4854-9079-14D0D562ACA2}" type="slidenum">
               <a:rPr lang="en-US"/>
               <a:pPr/>
               <a:t>15</a:t>
@@ -1654,7 +1654,7 @@
           <a:bodyPr/>
           <a:lstStyle/>
           <a:p>
-            <a:fld id="{49373E89-03B8-43DD-9E82-1CED0FB07A9A}" type="slidenum">
+            <a:fld id="{35ECE477-797D-48BD-8B6E-9A94CB5CE89B}" type="slidenum">
               <a:rPr lang="en-US"/>
               <a:pPr/>
               <a:t>16</a:t>
@@ -1815,7 +1815,7 @@
           <a:lstStyle/>
           <a:p>
             <a:pPr defTabSz="957263"/>
-            <a:fld id="{070424D4-D80D-4A13-B2E6-1F6B038E9E4A}" type="slidenum">
+            <a:fld id="{2FA551F7-6C17-4AF8-9838-7D18EE4C501B}" type="slidenum">
               <a:rPr lang="en-US" sz="1200"/>
               <a:pPr defTabSz="957263"/>
               <a:t>17</a:t>
@@ -1901,7 +1901,7 @@
           <a:bodyPr/>
           <a:lstStyle/>
           <a:p>
-            <a:fld id="{B6B2452E-D04C-4980-9D99-69BEE72AA5AF}" type="slidenum">
+            <a:fld id="{12A340CA-D275-4C5E-800B-34D1BBD2F071}" type="slidenum">
               <a:rPr lang="en-US"/>
               <a:pPr/>
               <a:t>18</a:t>
@@ -2062,7 +2062,7 @@
           <a:bodyPr/>
           <a:lstStyle/>
           <a:p>
-            <a:fld id="{2BAF334F-7537-4264-A401-FCCD1B1D1505}" type="slidenum">
+            <a:fld id="{E1D573B1-B1B4-4BD5-A2DB-6EC19EBE3E34}" type="slidenum">
               <a:rPr lang="en-US"/>
               <a:pPr/>
               <a:t>19</a:t>
@@ -2388,7 +2388,7 @@
           <a:bodyPr/>
           <a:lstStyle/>
           <a:p>
-            <a:fld id="{9CF3ECC7-D1E6-412E-87CF-412CAFDF2F86}" type="slidenum">
+            <a:fld id="{DF02657A-8E82-47EB-B299-7FE9DABE83C3}" type="slidenum">
               <a:rPr lang="en-US"/>
               <a:pPr/>
               <a:t>2</a:t>
@@ -2474,7 +2474,7 @@
           <a:bodyPr/>
           <a:lstStyle/>
           <a:p>
-            <a:fld id="{725851A3-1872-4A4A-AD68-85EBA0DE84BD}" type="slidenum">
+            <a:fld id="{A5B5BFC1-9168-44B9-A1D9-3FF17694E11F}" type="slidenum">
               <a:rPr lang="en-US"/>
               <a:pPr/>
               <a:t>20</a:t>
@@ -2755,7 +2755,7 @@
           <a:lstStyle/>
           <a:p>
             <a:pPr defTabSz="957263"/>
-            <a:fld id="{8122959F-1BBA-4C30-9D0A-8D0407597FA7}" type="slidenum">
+            <a:fld id="{42DC77D4-7926-44F5-BD92-E31FCE1FECCC}" type="slidenum">
               <a:rPr lang="en-US" sz="1200"/>
               <a:pPr defTabSz="957263"/>
               <a:t>21</a:t>
@@ -2901,7 +2901,7 @@
           <a:lstStyle/>
           <a:p>
             <a:pPr defTabSz="957263"/>
-            <a:fld id="{0C139010-BF07-44F0-BD56-CAACD43170A6}" type="slidenum">
+            <a:fld id="{18DC8420-A270-4132-A022-BF7B4A0D45FB}" type="slidenum">
               <a:rPr lang="en-US" sz="1200"/>
               <a:pPr defTabSz="957263"/>
               <a:t>22</a:t>
@@ -3069,7 +3069,7 @@
           <a:lstStyle/>
           <a:p>
             <a:pPr defTabSz="957263"/>
-            <a:fld id="{9F14B049-0ED8-47E9-8B9A-DA97B711A866}" type="slidenum">
+            <a:fld id="{1EE4AF01-5BDE-4B87-960E-2757470ED829}" type="slidenum">
               <a:rPr lang="en-US" sz="1200"/>
               <a:pPr defTabSz="957263"/>
               <a:t>23</a:t>
@@ -3237,7 +3237,7 @@
           <a:lstStyle/>
           <a:p>
             <a:pPr defTabSz="957263"/>
-            <a:fld id="{6ED500F5-D12E-4FAB-A4FC-8BC030B23963}" type="slidenum">
+            <a:fld id="{E3356EC0-0980-4A86-8A71-EFE2A377018C}" type="slidenum">
               <a:rPr lang="en-US" sz="1200"/>
               <a:pPr defTabSz="957263"/>
               <a:t>24</a:t>
@@ -3394,7 +3394,7 @@
           <a:lstStyle/>
           <a:p>
             <a:pPr defTabSz="957263"/>
-            <a:fld id="{FB3A7C24-1E47-48F4-A1A0-59E16F95E738}" type="slidenum">
+            <a:fld id="{62DC6764-E5A6-4F5D-9BE0-1872CA67F938}" type="slidenum">
               <a:rPr lang="en-US" sz="1200"/>
               <a:pPr defTabSz="957263"/>
               <a:t>25</a:t>
@@ -3555,7 +3555,7 @@
           <a:lstStyle/>
           <a:p>
             <a:pPr defTabSz="957263"/>
-            <a:fld id="{8463F5A1-83DA-4381-A40D-B274548FE793}" type="slidenum">
+            <a:fld id="{8F05D7FC-0281-4D9E-B5F1-D49F7B184855}" type="slidenum">
               <a:rPr lang="en-US" sz="1200"/>
               <a:pPr defTabSz="957263"/>
               <a:t>26</a:t>
@@ -3737,7 +3737,7 @@
           <a:lstStyle/>
           <a:p>
             <a:pPr defTabSz="957263"/>
-            <a:fld id="{994B36EA-E364-47F2-9AC2-CDC918C4C210}" type="slidenum">
+            <a:fld id="{3AEC169D-6797-49E6-9C53-B792C90C5580}" type="slidenum">
               <a:rPr lang="en-US" sz="1200"/>
               <a:pPr defTabSz="957263"/>
               <a:t>27</a:t>
@@ -3912,7 +3912,7 @@
           <a:lstStyle/>
           <a:p>
             <a:pPr defTabSz="957263"/>
-            <a:fld id="{CB5A1C6C-4F01-4F26-B74C-180C2A06FB15}" type="slidenum">
+            <a:fld id="{E1FB49E4-EBA3-46A2-9223-624ED0E60BD6}" type="slidenum">
               <a:rPr lang="en-US" sz="1200"/>
               <a:pPr defTabSz="957263"/>
               <a:t>28</a:t>
@@ -4095,7 +4095,7 @@
           <a:bodyPr/>
           <a:lstStyle/>
           <a:p>
-            <a:fld id="{715247A3-B3AA-489C-ACD4-8DE34C596B24}" type="slidenum">
+            <a:fld id="{31651AC3-BF97-48B1-AA6A-0C07C5BA663C}" type="slidenum">
               <a:rPr lang="en-US"/>
               <a:pPr/>
               <a:t>29</a:t>
@@ -4246,7 +4246,7 @@
           <a:lstStyle/>
           <a:p>
             <a:pPr defTabSz="957263"/>
-            <a:fld id="{5DC69679-1D45-479F-BA16-ACECA94C82B9}" type="slidenum">
+            <a:fld id="{79BE1059-0845-4C0B-874B-AB140446E37F}" type="slidenum">
               <a:rPr lang="en-US" sz="1200"/>
               <a:pPr defTabSz="957263"/>
               <a:t>3</a:t>
@@ -4332,7 +4332,7 @@
           <a:bodyPr/>
           <a:lstStyle/>
           <a:p>
-            <a:fld id="{2B201042-7320-43C0-B52D-93E79B8665B4}" type="slidenum">
+            <a:fld id="{A211B42F-8A5D-4BAA-8D4C-6799A5F948DE}" type="slidenum">
               <a:rPr lang="en-US"/>
               <a:pPr/>
               <a:t>30</a:t>
@@ -4540,7 +4540,7 @@
           <a:lstStyle/>
           <a:p>
             <a:pPr defTabSz="957263"/>
-            <a:fld id="{A78DE2EE-C22E-4614-92A2-6E4CD92AE315}" type="slidenum">
+            <a:fld id="{BBD6B8F1-DABA-43A6-BA0F-3BAE5C60F13B}" type="slidenum">
               <a:rPr lang="en-US" sz="1200"/>
               <a:pPr defTabSz="957263"/>
               <a:t>31</a:t>
@@ -4690,7 +4690,7 @@
           <a:lstStyle/>
           <a:p>
             <a:pPr defTabSz="957263"/>
-            <a:fld id="{9040A3FD-0A5E-4C56-9B20-B7044559C76E}" type="slidenum">
+            <a:fld id="{1CEF2CBB-BCC3-4181-8619-229FFABB2B66}" type="slidenum">
               <a:rPr lang="en-US" sz="1200"/>
               <a:pPr defTabSz="957263"/>
               <a:t>32</a:t>
@@ -4865,7 +4865,7 @@
           <a:lstStyle/>
           <a:p>
             <a:pPr defTabSz="957263"/>
-            <a:fld id="{E11F9F0B-D598-40CC-A56E-A6E92E0840A2}" type="slidenum">
+            <a:fld id="{7670DD49-E025-469E-B775-1A5BD463005A}" type="slidenum">
               <a:rPr lang="en-US" sz="1200"/>
               <a:pPr defTabSz="957263"/>
               <a:t>33</a:t>
@@ -5051,7 +5051,7 @@
           <a:bodyPr/>
           <a:lstStyle/>
           <a:p>
-            <a:fld id="{4BC7196A-C6AB-4361-BF04-CB96E446E49C}" type="slidenum">
+            <a:fld id="{4420598D-C86C-4704-8B8A-2E9593A8E04C}" type="slidenum">
               <a:rPr lang="en-US"/>
               <a:pPr/>
               <a:t>4</a:t>
@@ -5197,7 +5197,7 @@
           <a:lstStyle/>
           <a:p>
             <a:pPr defTabSz="957263"/>
-            <a:fld id="{73FAC7F7-DD38-4B57-A4A0-B0E635203CB6}" type="slidenum">
+            <a:fld id="{60C92717-052F-4134-B780-CE273B534627}" type="slidenum">
               <a:rPr lang="en-US" sz="1200"/>
               <a:pPr defTabSz="957263"/>
               <a:t>5</a:t>
@@ -5297,7 +5297,7 @@
           <a:lstStyle/>
           <a:p>
             <a:pPr defTabSz="957263"/>
-            <a:fld id="{6CE9688C-7B9C-4B3F-A1FC-F914ED609706}" type="slidenum">
+            <a:fld id="{73CA6677-4894-47DE-AEE5-3B2A20C23B3A}" type="slidenum">
               <a:rPr lang="en-US" sz="1200"/>
               <a:pPr defTabSz="957263"/>
               <a:t>6</a:t>
@@ -5394,7 +5394,7 @@
           <a:lstStyle/>
           <a:p>
             <a:pPr defTabSz="957263"/>
-            <a:fld id="{1882E211-522D-4264-95DA-C38DA6DBEF7B}" type="slidenum">
+            <a:fld id="{C02E066D-A9FB-4574-A4E7-B0FB77057B6A}" type="slidenum">
               <a:rPr lang="en-US" sz="1200"/>
               <a:pPr defTabSz="957263"/>
               <a:t>7</a:t>
@@ -5494,7 +5494,7 @@
           <a:lstStyle/>
           <a:p>
             <a:pPr defTabSz="957263"/>
-            <a:fld id="{91FECBE6-D891-46BE-916F-CEF6C30F15C4}" type="slidenum">
+            <a:fld id="{FA122197-FE7B-40DE-A389-29C7F0D1D278}" type="slidenum">
               <a:rPr lang="en-US" sz="1200"/>
               <a:pPr defTabSz="957263"/>
               <a:t>8</a:t>
@@ -5591,7 +5591,7 @@
           <a:lstStyle/>
           <a:p>
             <a:pPr defTabSz="957263"/>
-            <a:fld id="{A7D5F347-6B58-4FBD-9BE3-CB844C4D2B52}" type="slidenum">
+            <a:fld id="{DC47BC56-9BAC-4160-BF39-EDDA7C471B24}" type="slidenum">
               <a:rPr lang="en-US" sz="1200"/>
               <a:pPr defTabSz="957263"/>
               <a:t>9</a:t>
@@ -6100,7 +6100,7 @@
             <a:pPr>
               <a:defRPr/>
             </a:pPr>
-            <a:fld id="{8D6251DB-A48C-4CF1-BA39-89E7E3864F09}" type="slidenum">
+            <a:fld id="{41E60B44-E352-437C-AFE7-64F4913D5636}" type="slidenum">
               <a:rPr lang="en-US"/>
               <a:pPr>
                 <a:defRPr/>
@@ -6511,7 +6511,7 @@
             <a:pPr>
               <a:defRPr/>
             </a:pPr>
-            <a:fld id="{F6A271BD-250A-4352-B9C9-5C918E569243}" type="slidenum">
+            <a:fld id="{A79D2B17-C8C5-4311-A320-74D74131956A}" type="slidenum">
               <a:rPr lang="en-US"/>
               <a:pPr>
                 <a:defRPr/>
@@ -6833,7 +6833,7 @@
             <a:pPr>
               <a:defRPr/>
             </a:pPr>
-            <a:fld id="{62830E4A-34B4-4B4F-A0D2-75322DA3C995}" type="slidenum">
+            <a:fld id="{D591A0BD-895F-4B31-9418-CE6AB8D3D177}" type="slidenum">
               <a:rPr lang="en-US"/>
               <a:pPr>
                 <a:defRPr/>
@@ -7125,7 +7125,7 @@
             <a:pPr>
               <a:defRPr/>
             </a:pPr>
-            <a:fld id="{C42B9531-E29C-4D86-8133-1F5A90D80375}" type="slidenum">
+            <a:fld id="{17B05540-D62D-4FC8-B5D8-562596D51A2A}" type="slidenum">
               <a:rPr lang="en-US"/>
               <a:pPr>
                 <a:defRPr/>
@@ -7593,7 +7593,7 @@
             <a:pPr>
               <a:defRPr/>
             </a:pPr>
-            <a:fld id="{C1288A15-9A72-4733-AFEB-B156824E5CC4}" type="slidenum">
+            <a:fld id="{3031DA8C-389E-47DD-9A1F-5E51AF48155A}" type="slidenum">
               <a:rPr lang="en-US"/>
               <a:pPr>
                 <a:defRPr/>
@@ -7862,7 +7862,7 @@
             <a:pPr>
               <a:defRPr/>
             </a:pPr>
-            <a:fld id="{C780F9E9-9928-4205-B38E-CB62CF61A15E}" type="slidenum">
+            <a:fld id="{3B8780FC-E213-4175-8477-1CE019E2CD31}" type="slidenum">
               <a:rPr lang="en-US"/>
               <a:pPr>
                 <a:defRPr/>
@@ -10720,7 +10720,7 @@
                           <a:latin typeface="Arial" charset="0"/>
                           <a:ea typeface="宋体" pitchFamily="2" charset="-122"/>
                           <a:cs typeface="Arial" charset="0"/>
-                          <a:hlinkClick r:id="rId7" action="ppaction://hlinkfile"/>
+                          <a:hlinkClick r:id="rId5" action="ppaction://hlinkfile"/>
                         </a:rPr>
                         <a:t>Pa_create</a:t>
                       </a:r>
@@ -10751,7 +10751,7 @@
                           <a:latin typeface="Arial" charset="0"/>
                           <a:ea typeface="宋体" pitchFamily="2" charset="-122"/>
                           <a:cs typeface="Arial" charset="0"/>
-                          <a:hlinkClick r:id="rId8" action="ppaction://hlinkfile"/>
+                          <a:hlinkClick r:id="rId7" action="ppaction://hlinkfile"/>
                         </a:rPr>
                         <a:t>paConfig_t</a:t>
                       </a:r>
@@ -10782,7 +10782,7 @@
                           <a:latin typeface="Arial" charset="0"/>
                           <a:ea typeface="宋体" pitchFamily="2" charset="-122"/>
                           <a:cs typeface="Arial" charset="0"/>
-                          <a:hlinkClick r:id="rId9" action="ppaction://hlinkfile"/>
+                          <a:hlinkClick r:id="rId4" action="ppaction://hlinkfile"/>
                         </a:rPr>
                         <a:t>Pa_Handle</a:t>
                       </a:r>
@@ -11138,7 +11138,7 @@
                           <a:latin typeface="Arial" charset="0"/>
                           <a:ea typeface="宋体" pitchFamily="2" charset="-122"/>
                           <a:cs typeface="Arial" charset="0"/>
-                          <a:hlinkClick r:id="rId10" action="ppaction://hlinkfile"/>
+                          <a:hlinkClick r:id="rId5" action="ppaction://hlinkfile"/>
                         </a:rPr>
                         <a:t>Pa_close</a:t>
                       </a:r>
@@ -11169,7 +11169,7 @@
                           <a:latin typeface="Arial" charset="0"/>
                           <a:ea typeface="宋体" pitchFamily="2" charset="-122"/>
                           <a:cs typeface="Arial" charset="0"/>
-                          <a:hlinkClick r:id="rId9" action="ppaction://hlinkfile"/>
+                          <a:hlinkClick r:id="rId4" action="ppaction://hlinkfile"/>
                         </a:rPr>
                         <a:t>Pa_Handle</a:t>
                       </a:r>
@@ -11525,7 +11525,7 @@
                           <a:latin typeface="Arial" charset="0"/>
                           <a:ea typeface="宋体" pitchFamily="2" charset="-122"/>
                           <a:cs typeface="Arial" charset="0"/>
-                          <a:hlinkClick r:id="rId11" action="ppaction://hlinkfile"/>
+                          <a:hlinkClick r:id="rId5" action="ppaction://hlinkfile"/>
                         </a:rPr>
                         <a:t>Pa_requestStats</a:t>
                       </a:r>
@@ -11556,7 +11556,7 @@
                           <a:latin typeface="Arial" charset="0"/>
                           <a:ea typeface="宋体" pitchFamily="2" charset="-122"/>
                           <a:cs typeface="Arial" charset="0"/>
-                          <a:hlinkClick r:id="rId9" action="ppaction://hlinkfile"/>
+                          <a:hlinkClick r:id="rId4" action="ppaction://hlinkfile"/>
                         </a:rPr>
                         <a:t>Pa_Handle</a:t>
                       </a:r>
@@ -11587,7 +11587,7 @@
                           <a:latin typeface="Arial" charset="0"/>
                           <a:ea typeface="宋体" pitchFamily="2" charset="-122"/>
                           <a:cs typeface="Arial" charset="0"/>
-                          <a:hlinkClick r:id="rId12" action="ppaction://hlinkfile"/>
+                          <a:hlinkClick r:id="rId4" action="ppaction://hlinkfile"/>
                         </a:rPr>
                         <a:t>paCmd_t</a:t>
                       </a:r>
@@ -11618,7 +11618,7 @@
                           <a:latin typeface="Arial" charset="0"/>
                           <a:ea typeface="宋体" pitchFamily="2" charset="-122"/>
                           <a:cs typeface="Arial" charset="0"/>
-                          <a:hlinkClick r:id="rId13" action="ppaction://hlinkfile"/>
+                          <a:hlinkClick r:id="rId8" action="ppaction://hlinkfile"/>
                         </a:rPr>
                         <a:t>paCmdReply_t</a:t>
                       </a:r>
@@ -11878,7 +11878,7 @@
                           <a:latin typeface="Arial" charset="0"/>
                           <a:ea typeface="宋体" pitchFamily="2" charset="-122"/>
                           <a:cs typeface="Arial" charset="0"/>
-                          <a:hlinkClick r:id="rId14" action="ppaction://hlinkfile"/>
+                          <a:hlinkClick r:id="rId9" action="ppaction://hlinkfile"/>
                         </a:rPr>
                         <a:t>paSysStats_t</a:t>
                       </a:r>
@@ -11974,7 +11974,7 @@
                           <a:latin typeface="Arial" charset="0"/>
                           <a:ea typeface="宋体" pitchFamily="2" charset="-122"/>
                           <a:cs typeface="Arial" charset="0"/>
-                          <a:hlinkClick r:id="rId15" action="ppaction://hlinkfile"/>
+                          <a:hlinkClick r:id="rId5" action="ppaction://hlinkfile"/>
                         </a:rPr>
                         <a:t>Pa_formatStatsReply</a:t>
                       </a:r>
@@ -12005,7 +12005,7 @@
                           <a:latin typeface="Arial" charset="0"/>
                           <a:ea typeface="宋体" pitchFamily="2" charset="-122"/>
                           <a:cs typeface="Arial" charset="0"/>
-                          <a:hlinkClick r:id="rId9" action="ppaction://hlinkfile"/>
+                          <a:hlinkClick r:id="rId4" action="ppaction://hlinkfile"/>
                         </a:rPr>
                         <a:t>Pa_Handle</a:t>
                       </a:r>
@@ -12036,7 +12036,7 @@
                           <a:latin typeface="Arial" charset="0"/>
                           <a:ea typeface="宋体" pitchFamily="2" charset="-122"/>
                           <a:cs typeface="Arial" charset="0"/>
-                          <a:hlinkClick r:id="rId12" action="ppaction://hlinkfile"/>
+                          <a:hlinkClick r:id="rId4" action="ppaction://hlinkfile"/>
                         </a:rPr>
                         <a:t>paCmd_t</a:t>
                       </a:r>
@@ -12296,7 +12296,7 @@
                           <a:latin typeface="Arial" charset="0"/>
                           <a:ea typeface="宋体" pitchFamily="2" charset="-122"/>
                           <a:cs typeface="Arial" charset="0"/>
-                          <a:hlinkClick r:id="rId16" action="ppaction://hlinkfile"/>
+                          <a:hlinkClick r:id="rId4" action="ppaction://hlinkfile"/>
                         </a:rPr>
                         <a:t>paSSstate_t</a:t>
                       </a:r>
@@ -12392,7 +12392,7 @@
                           <a:latin typeface="Arial" charset="0"/>
                           <a:ea typeface="宋体" pitchFamily="2" charset="-122"/>
                           <a:cs typeface="Arial" charset="0"/>
-                          <a:hlinkClick r:id="rId17" action="ppaction://hlinkfile"/>
+                          <a:hlinkClick r:id="rId5" action="ppaction://hlinkfile"/>
                         </a:rPr>
                         <a:t>Pa_resetControl</a:t>
                       </a:r>
@@ -12423,7 +12423,7 @@
                           <a:latin typeface="Arial" charset="0"/>
                           <a:ea typeface="宋体" pitchFamily="2" charset="-122"/>
                           <a:cs typeface="Arial" charset="0"/>
-                          <a:hlinkClick r:id="rId16" action="ppaction://hlinkfile"/>
+                          <a:hlinkClick r:id="rId4" action="ppaction://hlinkfile"/>
                         </a:rPr>
                         <a:t>paSSstate_t</a:t>
                       </a:r>
@@ -12779,7 +12779,7 @@
                           <a:latin typeface="Arial" charset="0"/>
                           <a:ea typeface="宋体" pitchFamily="2" charset="-122"/>
                           <a:cs typeface="Arial" charset="0"/>
-                          <a:hlinkClick r:id="rId18" action="ppaction://hlinkfile"/>
+                          <a:hlinkClick r:id="rId5" action="ppaction://hlinkfile"/>
                         </a:rPr>
                         <a:t>Pa_downloadImage</a:t>
                       </a:r>
@@ -13276,7 +13276,7 @@
                           <a:latin typeface="Arial" charset="0"/>
                           <a:ea typeface="宋体" pitchFamily="2" charset="-122"/>
                           <a:cs typeface="Arial" charset="0"/>
-                          <a:hlinkClick r:id="rId6" action="ppaction://hlinkfile"/>
+                          <a:hlinkClick r:id="rId4" action="ppaction://hlinkfile"/>
                         </a:rPr>
                         <a:t>Pa_Handle</a:t>
                       </a:r>
@@ -13307,7 +13307,7 @@
                           <a:latin typeface="Arial" charset="0"/>
                           <a:ea typeface="宋体" pitchFamily="2" charset="-122"/>
                           <a:cs typeface="Arial" charset="0"/>
-                          <a:hlinkClick r:id="rId7" action="ppaction://hlinkfile"/>
+                          <a:hlinkClick r:id="rId6" action="ppaction://hlinkfile"/>
                         </a:rPr>
                         <a:t>paEthInfo_t</a:t>
                       </a:r>
@@ -13338,7 +13338,7 @@
                           <a:latin typeface="Arial" charset="0"/>
                           <a:ea typeface="宋体" pitchFamily="2" charset="-122"/>
                           <a:cs typeface="Arial" charset="0"/>
-                          <a:hlinkClick r:id="rId8" action="ppaction://hlinkfile"/>
+                          <a:hlinkClick r:id="rId7" action="ppaction://hlinkfile"/>
                         </a:rPr>
                         <a:t>paRouteInfo_t</a:t>
                       </a:r>
@@ -13369,7 +13369,7 @@
                           <a:latin typeface="Arial" charset="0"/>
                           <a:ea typeface="宋体" pitchFamily="2" charset="-122"/>
                           <a:cs typeface="Arial" charset="0"/>
-                          <a:hlinkClick r:id="rId8" action="ppaction://hlinkfile"/>
+                          <a:hlinkClick r:id="rId7" action="ppaction://hlinkfile"/>
                         </a:rPr>
                         <a:t>paRouteInfo_t</a:t>
                       </a:r>
@@ -13400,7 +13400,7 @@
                           <a:latin typeface="Arial" charset="0"/>
                           <a:ea typeface="宋体" pitchFamily="2" charset="-122"/>
                           <a:cs typeface="Arial" charset="0"/>
-                          <a:hlinkClick r:id="rId9" action="ppaction://hlinkfile"/>
+                          <a:hlinkClick r:id="rId4" action="ppaction://hlinkfile"/>
                         </a:rPr>
                         <a:t>paHandleL2L3_t</a:t>
                       </a:r>
@@ -13431,7 +13431,7 @@
                           <a:latin typeface="Arial" charset="0"/>
                           <a:ea typeface="宋体" pitchFamily="2" charset="-122"/>
                           <a:cs typeface="Arial" charset="0"/>
-                          <a:hlinkClick r:id="rId10" action="ppaction://hlinkfile"/>
+                          <a:hlinkClick r:id="rId4" action="ppaction://hlinkfile"/>
                         </a:rPr>
                         <a:t>paCmd_t</a:t>
                       </a:r>
@@ -13462,7 +13462,7 @@
                           <a:latin typeface="Arial" charset="0"/>
                           <a:ea typeface="宋体" pitchFamily="2" charset="-122"/>
                           <a:cs typeface="Arial" charset="0"/>
-                          <a:hlinkClick r:id="rId11" action="ppaction://hlinkfile"/>
+                          <a:hlinkClick r:id="rId8" action="ppaction://hlinkfile"/>
                         </a:rPr>
                         <a:t>paCmdReply_t</a:t>
                       </a:r>
@@ -13818,7 +13818,7 @@
                           <a:latin typeface="Arial" charset="0"/>
                           <a:ea typeface="宋体" pitchFamily="2" charset="-122"/>
                           <a:cs typeface="Arial" charset="0"/>
-                          <a:hlinkClick r:id="rId12" action="ppaction://hlinkfile"/>
+                          <a:hlinkClick r:id="rId5" action="ppaction://hlinkfile"/>
                         </a:rPr>
                         <a:t>Pa_delHandle</a:t>
                       </a:r>
@@ -13849,7 +13849,7 @@
                           <a:latin typeface="Arial" charset="0"/>
                           <a:ea typeface="宋体" pitchFamily="2" charset="-122"/>
                           <a:cs typeface="Arial" charset="0"/>
-                          <a:hlinkClick r:id="rId6" action="ppaction://hlinkfile"/>
+                          <a:hlinkClick r:id="rId4" action="ppaction://hlinkfile"/>
                         </a:rPr>
                         <a:t>Pa_Handle</a:t>
                       </a:r>
@@ -13880,7 +13880,7 @@
                           <a:latin typeface="Arial" charset="0"/>
                           <a:ea typeface="宋体" pitchFamily="2" charset="-122"/>
                           <a:cs typeface="Arial" charset="0"/>
-                          <a:hlinkClick r:id="rId9" action="ppaction://hlinkfile"/>
+                          <a:hlinkClick r:id="rId4" action="ppaction://hlinkfile"/>
                         </a:rPr>
                         <a:t>paHandleL2L3_t</a:t>
                       </a:r>
@@ -13911,7 +13911,7 @@
                           <a:latin typeface="Arial" charset="0"/>
                           <a:ea typeface="宋体" pitchFamily="2" charset="-122"/>
                           <a:cs typeface="Arial" charset="0"/>
-                          <a:hlinkClick r:id="rId10" action="ppaction://hlinkfile"/>
+                          <a:hlinkClick r:id="rId4" action="ppaction://hlinkfile"/>
                         </a:rPr>
                         <a:t>paCmd_t</a:t>
                       </a:r>
@@ -13942,7 +13942,7 @@
                           <a:latin typeface="Arial" charset="0"/>
                           <a:ea typeface="宋体" pitchFamily="2" charset="-122"/>
                           <a:cs typeface="Arial" charset="0"/>
-                          <a:hlinkClick r:id="rId11" action="ppaction://hlinkfile"/>
+                          <a:hlinkClick r:id="rId8" action="ppaction://hlinkfile"/>
                         </a:rPr>
                         <a:t>paCmdReply_t</a:t>
                       </a:r>
@@ -14298,7 +14298,7 @@
                           <a:latin typeface="Arial" charset="0"/>
                           <a:ea typeface="宋体" pitchFamily="2" charset="-122"/>
                           <a:cs typeface="Arial" charset="0"/>
-                          <a:hlinkClick r:id="rId13" action="ppaction://hlinkfile"/>
+                          <a:hlinkClick r:id="rId5" action="ppaction://hlinkfile"/>
                         </a:rPr>
                         <a:t>Pa_delL4Handle</a:t>
                       </a:r>
@@ -14329,7 +14329,7 @@
                           <a:latin typeface="Arial" charset="0"/>
                           <a:ea typeface="宋体" pitchFamily="2" charset="-122"/>
                           <a:cs typeface="Arial" charset="0"/>
-                          <a:hlinkClick r:id="rId6" action="ppaction://hlinkfile"/>
+                          <a:hlinkClick r:id="rId4" action="ppaction://hlinkfile"/>
                         </a:rPr>
                         <a:t>Pa_Handle</a:t>
                       </a:r>
@@ -14360,7 +14360,7 @@
                           <a:latin typeface="Arial" charset="0"/>
                           <a:ea typeface="宋体" pitchFamily="2" charset="-122"/>
                           <a:cs typeface="Arial" charset="0"/>
-                          <a:hlinkClick r:id="rId14" action="ppaction://hlinkfile"/>
+                          <a:hlinkClick r:id="rId4" action="ppaction://hlinkfile"/>
                         </a:rPr>
                         <a:t>paHandleL4_t</a:t>
                       </a:r>
@@ -14391,7 +14391,7 @@
                           <a:latin typeface="Arial" charset="0"/>
                           <a:ea typeface="宋体" pitchFamily="2" charset="-122"/>
                           <a:cs typeface="Arial" charset="0"/>
-                          <a:hlinkClick r:id="rId10" action="ppaction://hlinkfile"/>
+                          <a:hlinkClick r:id="rId4" action="ppaction://hlinkfile"/>
                         </a:rPr>
                         <a:t>paCmd_t</a:t>
                       </a:r>
@@ -14422,7 +14422,7 @@
                           <a:latin typeface="Arial" charset="0"/>
                           <a:ea typeface="宋体" pitchFamily="2" charset="-122"/>
                           <a:cs typeface="Arial" charset="0"/>
-                          <a:hlinkClick r:id="rId11" action="ppaction://hlinkfile"/>
+                          <a:hlinkClick r:id="rId8" action="ppaction://hlinkfile"/>
                         </a:rPr>
                         <a:t>paCmdReply_t</a:t>
                       </a:r>
@@ -14778,7 +14778,7 @@
                           <a:latin typeface="Arial" charset="0"/>
                           <a:ea typeface="宋体" pitchFamily="2" charset="-122"/>
                           <a:cs typeface="Arial" charset="0"/>
-                          <a:hlinkClick r:id="rId15" action="ppaction://hlinkfile"/>
+                          <a:hlinkClick r:id="rId5" action="ppaction://hlinkfile"/>
                         </a:rPr>
                         <a:t>Pa_addIp</a:t>
                       </a:r>
@@ -14809,7 +14809,7 @@
                           <a:latin typeface="Arial" charset="0"/>
                           <a:ea typeface="宋体" pitchFamily="2" charset="-122"/>
                           <a:cs typeface="Arial" charset="0"/>
-                          <a:hlinkClick r:id="rId6" action="ppaction://hlinkfile"/>
+                          <a:hlinkClick r:id="rId4" action="ppaction://hlinkfile"/>
                         </a:rPr>
                         <a:t>Pa_Handle</a:t>
                       </a:r>
@@ -14840,7 +14840,7 @@
                           <a:latin typeface="Arial" charset="0"/>
                           <a:ea typeface="宋体" pitchFamily="2" charset="-122"/>
                           <a:cs typeface="Arial" charset="0"/>
-                          <a:hlinkClick r:id="rId16" action="ppaction://hlinkfile"/>
+                          <a:hlinkClick r:id="rId9" action="ppaction://hlinkfile"/>
                         </a:rPr>
                         <a:t>paIpInfo_t</a:t>
                       </a:r>
@@ -14871,7 +14871,7 @@
                           <a:latin typeface="Arial" charset="0"/>
                           <a:ea typeface="宋体" pitchFamily="2" charset="-122"/>
                           <a:cs typeface="Arial" charset="0"/>
-                          <a:hlinkClick r:id="rId9" action="ppaction://hlinkfile"/>
+                          <a:hlinkClick r:id="rId4" action="ppaction://hlinkfile"/>
                         </a:rPr>
                         <a:t>paHandleL2L3_t</a:t>
                       </a:r>
@@ -14902,7 +14902,7 @@
                           <a:latin typeface="Arial" charset="0"/>
                           <a:ea typeface="宋体" pitchFamily="2" charset="-122"/>
                           <a:cs typeface="Arial" charset="0"/>
-                          <a:hlinkClick r:id="rId8" action="ppaction://hlinkfile"/>
+                          <a:hlinkClick r:id="rId7" action="ppaction://hlinkfile"/>
                         </a:rPr>
                         <a:t>paRouteInfo_t</a:t>
                       </a:r>
@@ -14933,7 +14933,7 @@
                           <a:latin typeface="Arial" charset="0"/>
                           <a:ea typeface="宋体" pitchFamily="2" charset="-122"/>
                           <a:cs typeface="Arial" charset="0"/>
-                          <a:hlinkClick r:id="rId8" action="ppaction://hlinkfile"/>
+                          <a:hlinkClick r:id="rId7" action="ppaction://hlinkfile"/>
                         </a:rPr>
                         <a:t>paRouteInfo_t</a:t>
                       </a:r>
@@ -14964,7 +14964,7 @@
                           <a:latin typeface="Arial" charset="0"/>
                           <a:ea typeface="宋体" pitchFamily="2" charset="-122"/>
                           <a:cs typeface="Arial" charset="0"/>
-                          <a:hlinkClick r:id="rId9" action="ppaction://hlinkfile"/>
+                          <a:hlinkClick r:id="rId4" action="ppaction://hlinkfile"/>
                         </a:rPr>
                         <a:t>paHandleL2L3_t</a:t>
                       </a:r>
@@ -14995,7 +14995,7 @@
                           <a:latin typeface="Arial" charset="0"/>
                           <a:ea typeface="宋体" pitchFamily="2" charset="-122"/>
                           <a:cs typeface="Arial" charset="0"/>
-                          <a:hlinkClick r:id="rId10" action="ppaction://hlinkfile"/>
+                          <a:hlinkClick r:id="rId4" action="ppaction://hlinkfile"/>
                         </a:rPr>
                         <a:t>paCmd_t</a:t>
                       </a:r>
@@ -15026,7 +15026,7 @@
                           <a:latin typeface="Arial" charset="0"/>
                           <a:ea typeface="宋体" pitchFamily="2" charset="-122"/>
                           <a:cs typeface="Arial" charset="0"/>
-                          <a:hlinkClick r:id="rId11" action="ppaction://hlinkfile"/>
+                          <a:hlinkClick r:id="rId8" action="ppaction://hlinkfile"/>
                         </a:rPr>
                         <a:t>paCmdReply_t</a:t>
                       </a:r>
@@ -15382,7 +15382,7 @@
                           <a:latin typeface="Arial" charset="0"/>
                           <a:ea typeface="宋体" pitchFamily="2" charset="-122"/>
                           <a:cs typeface="Arial" charset="0"/>
-                          <a:hlinkClick r:id="rId17" action="ppaction://hlinkfile"/>
+                          <a:hlinkClick r:id="rId5" action="ppaction://hlinkfile"/>
                         </a:rPr>
                         <a:t>Pa_addPort</a:t>
                       </a:r>
@@ -15413,7 +15413,7 @@
                           <a:latin typeface="Arial" charset="0"/>
                           <a:ea typeface="宋体" pitchFamily="2" charset="-122"/>
                           <a:cs typeface="Arial" charset="0"/>
-                          <a:hlinkClick r:id="rId6" action="ppaction://hlinkfile"/>
+                          <a:hlinkClick r:id="rId4" action="ppaction://hlinkfile"/>
                         </a:rPr>
                         <a:t>Pa_Handle</a:t>
                       </a:r>
@@ -15444,7 +15444,7 @@
                           <a:latin typeface="Arial" charset="0"/>
                           <a:ea typeface="宋体" pitchFamily="2" charset="-122"/>
                           <a:cs typeface="Arial" charset="0"/>
-                          <a:hlinkClick r:id="rId9" action="ppaction://hlinkfile"/>
+                          <a:hlinkClick r:id="rId4" action="ppaction://hlinkfile"/>
                         </a:rPr>
                         <a:t>paHandleL2L3_t</a:t>
                       </a:r>
@@ -15475,7 +15475,7 @@
                           <a:latin typeface="Arial" charset="0"/>
                           <a:ea typeface="宋体" pitchFamily="2" charset="-122"/>
                           <a:cs typeface="Arial" charset="0"/>
-                          <a:hlinkClick r:id="rId8" action="ppaction://hlinkfile"/>
+                          <a:hlinkClick r:id="rId7" action="ppaction://hlinkfile"/>
                         </a:rPr>
                         <a:t>paRouteInfo_t</a:t>
                       </a:r>
@@ -15506,7 +15506,7 @@
                           <a:latin typeface="Arial" charset="0"/>
                           <a:ea typeface="宋体" pitchFamily="2" charset="-122"/>
                           <a:cs typeface="Arial" charset="0"/>
-                          <a:hlinkClick r:id="rId14" action="ppaction://hlinkfile"/>
+                          <a:hlinkClick r:id="rId4" action="ppaction://hlinkfile"/>
                         </a:rPr>
                         <a:t>paHandleL4_t</a:t>
                       </a:r>
@@ -15537,7 +15537,7 @@
                           <a:latin typeface="Arial" charset="0"/>
                           <a:ea typeface="宋体" pitchFamily="2" charset="-122"/>
                           <a:cs typeface="Arial" charset="0"/>
-                          <a:hlinkClick r:id="rId10" action="ppaction://hlinkfile"/>
+                          <a:hlinkClick r:id="rId4" action="ppaction://hlinkfile"/>
                         </a:rPr>
                         <a:t>paCmd_t</a:t>
                       </a:r>
@@ -15568,7 +15568,7 @@
                           <a:latin typeface="Arial" charset="0"/>
                           <a:ea typeface="宋体" pitchFamily="2" charset="-122"/>
                           <a:cs typeface="Arial" charset="0"/>
-                          <a:hlinkClick r:id="rId11" action="ppaction://hlinkfile"/>
+                          <a:hlinkClick r:id="rId8" action="ppaction://hlinkfile"/>
                         </a:rPr>
                         <a:t>paCmdReply_t</a:t>
                       </a:r>
@@ -15924,7 +15924,7 @@
                           <a:latin typeface="Arial" charset="0"/>
                           <a:ea typeface="宋体" pitchFamily="2" charset="-122"/>
                           <a:cs typeface="Arial" charset="0"/>
-                          <a:hlinkClick r:id="rId18" action="ppaction://hlinkfile"/>
+                          <a:hlinkClick r:id="rId5" action="ppaction://hlinkfile"/>
                         </a:rPr>
                         <a:t>Pa_forwardResult</a:t>
                       </a:r>
@@ -15955,7 +15955,7 @@
                           <a:latin typeface="Arial" charset="0"/>
                           <a:ea typeface="宋体" pitchFamily="2" charset="-122"/>
                           <a:cs typeface="Arial" charset="0"/>
-                          <a:hlinkClick r:id="rId6" action="ppaction://hlinkfile"/>
+                          <a:hlinkClick r:id="rId4" action="ppaction://hlinkfile"/>
                         </a:rPr>
                         <a:t>Pa_Handle</a:t>
                       </a:r>
@@ -15986,7 +15986,7 @@
                           <a:latin typeface="Arial" charset="0"/>
                           <a:ea typeface="宋体" pitchFamily="2" charset="-122"/>
                           <a:cs typeface="Arial" charset="0"/>
-                          <a:hlinkClick r:id="rId19" action="ppaction://hlinkfile"/>
+                          <a:hlinkClick r:id="rId10" action="ppaction://hlinkfile"/>
                         </a:rPr>
                         <a:t>paHandle_t</a:t>
                       </a:r>
@@ -16342,7 +16342,7 @@
                           <a:latin typeface="Arial" charset="0"/>
                           <a:ea typeface="宋体" pitchFamily="2" charset="-122"/>
                           <a:cs typeface="Arial" charset="0"/>
-                          <a:hlinkClick r:id="rId20" action="ppaction://hlinkfile"/>
+                          <a:hlinkClick r:id="rId5" action="ppaction://hlinkfile"/>
                         </a:rPr>
                         <a:t>Pa_configRouteErrPacket</a:t>
                       </a:r>
@@ -16373,7 +16373,7 @@
                           <a:latin typeface="Arial" charset="0"/>
                           <a:ea typeface="宋体" pitchFamily="2" charset="-122"/>
                           <a:cs typeface="Arial" charset="0"/>
-                          <a:hlinkClick r:id="rId6" action="ppaction://hlinkfile"/>
+                          <a:hlinkClick r:id="rId4" action="ppaction://hlinkfile"/>
                         </a:rPr>
                         <a:t>Pa_Handle</a:t>
                       </a:r>
@@ -16404,7 +16404,7 @@
                           <a:latin typeface="Arial" charset="0"/>
                           <a:ea typeface="宋体" pitchFamily="2" charset="-122"/>
                           <a:cs typeface="Arial" charset="0"/>
-                          <a:hlinkClick r:id="rId8" action="ppaction://hlinkfile"/>
+                          <a:hlinkClick r:id="rId7" action="ppaction://hlinkfile"/>
                         </a:rPr>
                         <a:t>paRouteInfo_t</a:t>
                       </a:r>
@@ -16435,7 +16435,7 @@
                           <a:latin typeface="Arial" charset="0"/>
                           <a:ea typeface="宋体" pitchFamily="2" charset="-122"/>
                           <a:cs typeface="Arial" charset="0"/>
-                          <a:hlinkClick r:id="rId10" action="ppaction://hlinkfile"/>
+                          <a:hlinkClick r:id="rId4" action="ppaction://hlinkfile"/>
                         </a:rPr>
                         <a:t>paCmd_t</a:t>
                       </a:r>
@@ -16466,7 +16466,7 @@
                           <a:latin typeface="Arial" charset="0"/>
                           <a:ea typeface="宋体" pitchFamily="2" charset="-122"/>
                           <a:cs typeface="Arial" charset="0"/>
-                          <a:hlinkClick r:id="rId11" action="ppaction://hlinkfile"/>
+                          <a:hlinkClick r:id="rId8" action="ppaction://hlinkfile"/>
                         </a:rPr>
                         <a:t>paCmdReply_t</a:t>
                       </a:r>
@@ -16963,7 +16963,7 @@
                           <a:latin typeface="Arial" charset="0"/>
                           <a:ea typeface="宋体" pitchFamily="2" charset="-122"/>
                           <a:cs typeface="Arial" charset="0"/>
-                          <a:hlinkClick r:id="rId6" action="ppaction://hlinkfile"/>
+                          <a:hlinkClick r:id="rId4" action="ppaction://hlinkfile"/>
                         </a:rPr>
                         <a:t>Pa_Handle</a:t>
                       </a:r>
@@ -16994,7 +16994,7 @@
                           <a:latin typeface="Arial" charset="0"/>
                           <a:ea typeface="宋体" pitchFamily="2" charset="-122"/>
                           <a:cs typeface="Arial" charset="0"/>
-                          <a:hlinkClick r:id="rId7" action="ppaction://hlinkfile"/>
+                          <a:hlinkClick r:id="rId4" action="ppaction://hlinkfile"/>
                         </a:rPr>
                         <a:t>paCmd_t</a:t>
                       </a:r>
@@ -17025,7 +17025,7 @@
                           <a:latin typeface="Arial" charset="0"/>
                           <a:ea typeface="宋体" pitchFamily="2" charset="-122"/>
                           <a:cs typeface="Arial" charset="0"/>
-                          <a:hlinkClick r:id="rId8" action="ppaction://hlinkfile"/>
+                          <a:hlinkClick r:id="rId6" action="ppaction://hlinkfile"/>
                         </a:rPr>
                         <a:t>paCmdReply_t</a:t>
                       </a:r>
@@ -17381,7 +17381,7 @@
                           <a:latin typeface="Arial" charset="0"/>
                           <a:ea typeface="宋体" pitchFamily="2" charset="-122"/>
                           <a:cs typeface="Arial" charset="0"/>
-                          <a:hlinkClick r:id="rId9" action="ppaction://hlinkfile"/>
+                          <a:hlinkClick r:id="rId5" action="ppaction://hlinkfile"/>
                         </a:rPr>
                         <a:t>Pa_addCustomL3</a:t>
                       </a:r>
@@ -17412,7 +17412,7 @@
                           <a:latin typeface="Arial" charset="0"/>
                           <a:ea typeface="宋体" pitchFamily="2" charset="-122"/>
                           <a:cs typeface="Arial" charset="0"/>
-                          <a:hlinkClick r:id="rId6" action="ppaction://hlinkfile"/>
+                          <a:hlinkClick r:id="rId4" action="ppaction://hlinkfile"/>
                         </a:rPr>
                         <a:t>Pa_Handle</a:t>
                       </a:r>
@@ -17443,7 +17443,7 @@
                           <a:latin typeface="Arial" charset="0"/>
                           <a:ea typeface="宋体" pitchFamily="2" charset="-122"/>
                           <a:cs typeface="Arial" charset="0"/>
-                          <a:hlinkClick r:id="rId10" action="ppaction://hlinkfile"/>
+                          <a:hlinkClick r:id="rId7" action="ppaction://hlinkfile"/>
                         </a:rPr>
                         <a:t>paRouteInfo_t</a:t>
                       </a:r>
@@ -17474,7 +17474,7 @@
                           <a:latin typeface="Arial" charset="0"/>
                           <a:ea typeface="宋体" pitchFamily="2" charset="-122"/>
                           <a:cs typeface="Arial" charset="0"/>
-                          <a:hlinkClick r:id="rId10" action="ppaction://hlinkfile"/>
+                          <a:hlinkClick r:id="rId7" action="ppaction://hlinkfile"/>
                         </a:rPr>
                         <a:t>paRouteInfo_t</a:t>
                       </a:r>
@@ -17505,7 +17505,7 @@
                           <a:latin typeface="Arial" charset="0"/>
                           <a:ea typeface="宋体" pitchFamily="2" charset="-122"/>
                           <a:cs typeface="Arial" charset="0"/>
-                          <a:hlinkClick r:id="rId11" action="ppaction://hlinkfile"/>
+                          <a:hlinkClick r:id="rId4" action="ppaction://hlinkfile"/>
                         </a:rPr>
                         <a:t>paHandleL2L3_t</a:t>
                       </a:r>
@@ -17536,7 +17536,7 @@
                           <a:latin typeface="Arial" charset="0"/>
                           <a:ea typeface="宋体" pitchFamily="2" charset="-122"/>
                           <a:cs typeface="Arial" charset="0"/>
-                          <a:hlinkClick r:id="rId11" action="ppaction://hlinkfile"/>
+                          <a:hlinkClick r:id="rId4" action="ppaction://hlinkfile"/>
                         </a:rPr>
                         <a:t>paHandleL2L3_t</a:t>
                       </a:r>
@@ -17567,7 +17567,7 @@
                           <a:latin typeface="Arial" charset="0"/>
                           <a:ea typeface="宋体" pitchFamily="2" charset="-122"/>
                           <a:cs typeface="Arial" charset="0"/>
-                          <a:hlinkClick r:id="rId7" action="ppaction://hlinkfile"/>
+                          <a:hlinkClick r:id="rId4" action="ppaction://hlinkfile"/>
                         </a:rPr>
                         <a:t>paCmd_t</a:t>
                       </a:r>
@@ -17598,7 +17598,7 @@
                           <a:latin typeface="Arial" charset="0"/>
                           <a:ea typeface="宋体" pitchFamily="2" charset="-122"/>
                           <a:cs typeface="Arial" charset="0"/>
-                          <a:hlinkClick r:id="rId8" action="ppaction://hlinkfile"/>
+                          <a:hlinkClick r:id="rId6" action="ppaction://hlinkfile"/>
                         </a:rPr>
                         <a:t>paCmdReply_t</a:t>
                       </a:r>
@@ -17954,7 +17954,7 @@
                           <a:latin typeface="Arial" charset="0"/>
                           <a:ea typeface="宋体" pitchFamily="2" charset="-122"/>
                           <a:cs typeface="Arial" charset="0"/>
-                          <a:hlinkClick r:id="rId12" action="ppaction://hlinkfile"/>
+                          <a:hlinkClick r:id="rId5" action="ppaction://hlinkfile"/>
                         </a:rPr>
                         <a:t>Pa_setCustomL4</a:t>
                       </a:r>
@@ -17985,7 +17985,7 @@
                           <a:latin typeface="Arial" charset="0"/>
                           <a:ea typeface="宋体" pitchFamily="2" charset="-122"/>
                           <a:cs typeface="Arial" charset="0"/>
-                          <a:hlinkClick r:id="rId6" action="ppaction://hlinkfile"/>
+                          <a:hlinkClick r:id="rId4" action="ppaction://hlinkfile"/>
                         </a:rPr>
                         <a:t>Pa_Handle</a:t>
                       </a:r>
@@ -18016,7 +18016,7 @@
                           <a:latin typeface="Arial" charset="0"/>
                           <a:ea typeface="宋体" pitchFamily="2" charset="-122"/>
                           <a:cs typeface="Arial" charset="0"/>
-                          <a:hlinkClick r:id="rId7" action="ppaction://hlinkfile"/>
+                          <a:hlinkClick r:id="rId4" action="ppaction://hlinkfile"/>
                         </a:rPr>
                         <a:t>paCmd_t</a:t>
                       </a:r>
@@ -18047,7 +18047,7 @@
                           <a:latin typeface="Arial" charset="0"/>
                           <a:ea typeface="宋体" pitchFamily="2" charset="-122"/>
                           <a:cs typeface="Arial" charset="0"/>
-                          <a:hlinkClick r:id="rId8" action="ppaction://hlinkfile"/>
+                          <a:hlinkClick r:id="rId6" action="ppaction://hlinkfile"/>
                         </a:rPr>
                         <a:t>paCmdReply_t</a:t>
                       </a:r>
@@ -18403,7 +18403,7 @@
                           <a:latin typeface="Arial" charset="0"/>
                           <a:ea typeface="宋体" pitchFamily="2" charset="-122"/>
                           <a:cs typeface="Arial" charset="0"/>
-                          <a:hlinkClick r:id="rId13" action="ppaction://hlinkfile"/>
+                          <a:hlinkClick r:id="rId5" action="ppaction://hlinkfile"/>
                         </a:rPr>
                         <a:t>Pa_addCustomL4</a:t>
                       </a:r>
@@ -18434,7 +18434,7 @@
                           <a:latin typeface="Arial" charset="0"/>
                           <a:ea typeface="宋体" pitchFamily="2" charset="-122"/>
                           <a:cs typeface="Arial" charset="0"/>
-                          <a:hlinkClick r:id="rId6" action="ppaction://hlinkfile"/>
+                          <a:hlinkClick r:id="rId4" action="ppaction://hlinkfile"/>
                         </a:rPr>
                         <a:t>Pa_Handle</a:t>
                       </a:r>
@@ -18465,7 +18465,7 @@
                           <a:latin typeface="Arial" charset="0"/>
                           <a:ea typeface="宋体" pitchFamily="2" charset="-122"/>
                           <a:cs typeface="Arial" charset="0"/>
-                          <a:hlinkClick r:id="rId11" action="ppaction://hlinkfile"/>
+                          <a:hlinkClick r:id="rId4" action="ppaction://hlinkfile"/>
                         </a:rPr>
                         <a:t>paHandleL2L3_t</a:t>
                       </a:r>
@@ -18496,7 +18496,7 @@
                           <a:latin typeface="Arial" charset="0"/>
                           <a:ea typeface="宋体" pitchFamily="2" charset="-122"/>
                           <a:cs typeface="Arial" charset="0"/>
-                          <a:hlinkClick r:id="rId10" action="ppaction://hlinkfile"/>
+                          <a:hlinkClick r:id="rId7" action="ppaction://hlinkfile"/>
                         </a:rPr>
                         <a:t>paRouteInfo_t</a:t>
                       </a:r>
@@ -18527,7 +18527,7 @@
                           <a:latin typeface="Arial" charset="0"/>
                           <a:ea typeface="宋体" pitchFamily="2" charset="-122"/>
                           <a:cs typeface="Arial" charset="0"/>
-                          <a:hlinkClick r:id="rId14" action="ppaction://hlinkfile"/>
+                          <a:hlinkClick r:id="rId4" action="ppaction://hlinkfile"/>
                         </a:rPr>
                         <a:t>paHandleL4_t</a:t>
                       </a:r>
@@ -18558,7 +18558,7 @@
                           <a:latin typeface="Arial" charset="0"/>
                           <a:ea typeface="宋体" pitchFamily="2" charset="-122"/>
                           <a:cs typeface="Arial" charset="0"/>
-                          <a:hlinkClick r:id="rId7" action="ppaction://hlinkfile"/>
+                          <a:hlinkClick r:id="rId4" action="ppaction://hlinkfile"/>
                         </a:rPr>
                         <a:t>paCmd_t</a:t>
                       </a:r>
@@ -18589,7 +18589,7 @@
                           <a:latin typeface="Arial" charset="0"/>
                           <a:ea typeface="宋体" pitchFamily="2" charset="-122"/>
                           <a:cs typeface="Arial" charset="0"/>
-                          <a:hlinkClick r:id="rId8" action="ppaction://hlinkfile"/>
+                          <a:hlinkClick r:id="rId6" action="ppaction://hlinkfile"/>
                         </a:rPr>
                         <a:t>paCmdReply_t</a:t>
                       </a:r>
@@ -19469,7 +19469,7 @@
                           <a:latin typeface="Arial" charset="0"/>
                           <a:ea typeface="宋体" pitchFamily="2" charset="-122"/>
                           <a:cs typeface="Arial" charset="0"/>
-                          <a:hlinkClick r:id="rId8" action="ppaction://hlinkfile"/>
+                          <a:hlinkClick r:id="rId5" action="ppaction://hlinkfile"/>
                         </a:rPr>
                         <a:t>Pa_formatRoutePatch</a:t>
                       </a:r>
@@ -19531,7 +19531,7 @@
                           <a:latin typeface="Arial" charset="0"/>
                           <a:ea typeface="宋体" pitchFamily="2" charset="-122"/>
                           <a:cs typeface="Arial" charset="0"/>
-                          <a:hlinkClick r:id="rId9" action="ppaction://hlinkfile"/>
+                          <a:hlinkClick r:id="rId8" action="ppaction://hlinkfile"/>
                         </a:rPr>
                         <a:t>paPatchInfo_t</a:t>
                       </a:r>

--- a/slides/KeyStone NETCP PA.pptx
+++ b/slides/KeyStone NETCP PA.pptx
@@ -287,7 +287,7 @@
             </a:lvl1pPr>
           </a:lstStyle>
           <a:p>
-            <a:fld id="{C4243DA2-409E-466F-935D-A70D0972ADE2}" type="datetimeFigureOut">
+            <a:fld id="{0A6D6DFF-878F-438E-AEB4-6C246B93DBA5}" type="datetimeFigureOut">
               <a:rPr lang="en-US"/>
               <a:pPr/>
               <a:t>3/6/2012</a:t>
@@ -378,7 +378,7 @@
             </a:lvl1pPr>
           </a:lstStyle>
           <a:p>
-            <a:fld id="{165031C7-46A4-40D5-B47F-79DDD51F8E65}" type="slidenum">
+            <a:fld id="{C4847775-27B9-478E-B07F-4875D53D50CE}" type="slidenum">
               <a:rPr lang="en-US"/>
               <a:pPr/>
               <a:t>‹#›</a:t>
@@ -681,7 +681,7 @@
             </a:lvl1pPr>
           </a:lstStyle>
           <a:p>
-            <a:fld id="{A1F52BA9-DCA8-424F-99F2-6F1ED5796441}" type="slidenum">
+            <a:fld id="{54AE9B45-7E1D-4E65-9CE1-4E77D66E830A}" type="slidenum">
               <a:rPr lang="en-US"/>
               <a:pPr/>
               <a:t>‹#›</a:t>
@@ -911,7 +911,7 @@
           <a:bodyPr/>
           <a:lstStyle/>
           <a:p>
-            <a:fld id="{B306C636-8A70-4EB4-960D-D7A22151FA07}" type="slidenum">
+            <a:fld id="{DB7EEE6F-38DC-4B7D-86C3-DC29316A193A}" type="slidenum">
               <a:rPr lang="en-US"/>
               <a:pPr/>
               <a:t>10</a:t>
@@ -1072,7 +1072,7 @@
           <a:bodyPr/>
           <a:lstStyle/>
           <a:p>
-            <a:fld id="{03F9C715-D87F-49BE-A38B-2B220083F5B5}" type="slidenum">
+            <a:fld id="{6C0C324F-8015-4292-95F4-4D7613115B29}" type="slidenum">
               <a:rPr lang="en-US"/>
               <a:pPr/>
               <a:t>11</a:t>
@@ -1233,7 +1233,7 @@
           <a:lstStyle/>
           <a:p>
             <a:pPr defTabSz="957263"/>
-            <a:fld id="{A0EE3805-B242-4AD6-B964-A2367F57B1C7}" type="slidenum">
+            <a:fld id="{D53C6A01-4390-4404-B473-20B0FDFBB44D}" type="slidenum">
               <a:rPr lang="en-US" sz="1200"/>
               <a:pPr defTabSz="957263"/>
               <a:t>12</a:t>
@@ -1319,7 +1319,7 @@
           <a:bodyPr/>
           <a:lstStyle/>
           <a:p>
-            <a:fld id="{482B35DF-C459-4B89-829A-7941B97CFBED}" type="slidenum">
+            <a:fld id="{DAD3C330-B64C-4C30-900E-2505EA3F317B}" type="slidenum">
               <a:rPr lang="en-US"/>
               <a:pPr/>
               <a:t>13</a:t>
@@ -1420,7 +1420,7 @@
           <a:bodyPr/>
           <a:lstStyle/>
           <a:p>
-            <a:fld id="{A8634C64-1467-4D53-B588-B98B6AEE8D11}" type="slidenum">
+            <a:fld id="{320D9A24-8587-4DB5-8D4A-48BD401BCC93}" type="slidenum">
               <a:rPr lang="en-US"/>
               <a:pPr/>
               <a:t>14</a:t>
@@ -1532,7 +1532,7 @@
           <a:bodyPr/>
           <a:lstStyle/>
           <a:p>
-            <a:fld id="{60389E9A-4C92-4854-9079-14D0D562ACA2}" type="slidenum">
+            <a:fld id="{5E435A96-C919-43B9-A3E0-7B430124F3AD}" type="slidenum">
               <a:rPr lang="en-US"/>
               <a:pPr/>
               <a:t>15</a:t>
@@ -1654,7 +1654,7 @@
           <a:bodyPr/>
           <a:lstStyle/>
           <a:p>
-            <a:fld id="{35ECE477-797D-48BD-8B6E-9A94CB5CE89B}" type="slidenum">
+            <a:fld id="{DC2C4E10-76A7-4351-9BBD-6D9986165B62}" type="slidenum">
               <a:rPr lang="en-US"/>
               <a:pPr/>
               <a:t>16</a:t>
@@ -1815,7 +1815,7 @@
           <a:lstStyle/>
           <a:p>
             <a:pPr defTabSz="957263"/>
-            <a:fld id="{2FA551F7-6C17-4AF8-9838-7D18EE4C501B}" type="slidenum">
+            <a:fld id="{F97CA8CA-66AB-4051-A598-7735272D68D8}" type="slidenum">
               <a:rPr lang="en-US" sz="1200"/>
               <a:pPr defTabSz="957263"/>
               <a:t>17</a:t>
@@ -1901,7 +1901,7 @@
           <a:bodyPr/>
           <a:lstStyle/>
           <a:p>
-            <a:fld id="{12A340CA-D275-4C5E-800B-34D1BBD2F071}" type="slidenum">
+            <a:fld id="{36ABA859-9D8A-46A1-A93D-D7ED7567FE58}" type="slidenum">
               <a:rPr lang="en-US"/>
               <a:pPr/>
               <a:t>18</a:t>
@@ -2062,7 +2062,7 @@
           <a:bodyPr/>
           <a:lstStyle/>
           <a:p>
-            <a:fld id="{E1D573B1-B1B4-4BD5-A2DB-6EC19EBE3E34}" type="slidenum">
+            <a:fld id="{21AC3D7B-C18B-4717-B923-25451C382ADF}" type="slidenum">
               <a:rPr lang="en-US"/>
               <a:pPr/>
               <a:t>19</a:t>
@@ -2388,7 +2388,7 @@
           <a:bodyPr/>
           <a:lstStyle/>
           <a:p>
-            <a:fld id="{DF02657A-8E82-47EB-B299-7FE9DABE83C3}" type="slidenum">
+            <a:fld id="{81221C3D-F706-40A4-B787-B78813DFB348}" type="slidenum">
               <a:rPr lang="en-US"/>
               <a:pPr/>
               <a:t>2</a:t>
@@ -2474,7 +2474,7 @@
           <a:bodyPr/>
           <a:lstStyle/>
           <a:p>
-            <a:fld id="{A5B5BFC1-9168-44B9-A1D9-3FF17694E11F}" type="slidenum">
+            <a:fld id="{C39614C1-620E-42D7-BA21-7BEDA75EEC20}" type="slidenum">
               <a:rPr lang="en-US"/>
               <a:pPr/>
               <a:t>20</a:t>
@@ -2755,7 +2755,7 @@
           <a:lstStyle/>
           <a:p>
             <a:pPr defTabSz="957263"/>
-            <a:fld id="{42DC77D4-7926-44F5-BD92-E31FCE1FECCC}" type="slidenum">
+            <a:fld id="{F652CC41-90C1-4C1B-8AB3-EE172275D8BB}" type="slidenum">
               <a:rPr lang="en-US" sz="1200"/>
               <a:pPr defTabSz="957263"/>
               <a:t>21</a:t>
@@ -2901,7 +2901,7 @@
           <a:lstStyle/>
           <a:p>
             <a:pPr defTabSz="957263"/>
-            <a:fld id="{18DC8420-A270-4132-A022-BF7B4A0D45FB}" type="slidenum">
+            <a:fld id="{1A04A3E4-92A0-4809-885C-1E14114EB5D3}" type="slidenum">
               <a:rPr lang="en-US" sz="1200"/>
               <a:pPr defTabSz="957263"/>
               <a:t>22</a:t>
@@ -3069,7 +3069,7 @@
           <a:lstStyle/>
           <a:p>
             <a:pPr defTabSz="957263"/>
-            <a:fld id="{1EE4AF01-5BDE-4B87-960E-2757470ED829}" type="slidenum">
+            <a:fld id="{2942F3FB-6D70-446C-AB8C-B740564F68B0}" type="slidenum">
               <a:rPr lang="en-US" sz="1200"/>
               <a:pPr defTabSz="957263"/>
               <a:t>23</a:t>
@@ -3237,7 +3237,7 @@
           <a:lstStyle/>
           <a:p>
             <a:pPr defTabSz="957263"/>
-            <a:fld id="{E3356EC0-0980-4A86-8A71-EFE2A377018C}" type="slidenum">
+            <a:fld id="{A3DB37EC-EA47-4687-A133-D861B36534B8}" type="slidenum">
               <a:rPr lang="en-US" sz="1200"/>
               <a:pPr defTabSz="957263"/>
               <a:t>24</a:t>
@@ -3394,7 +3394,7 @@
           <a:lstStyle/>
           <a:p>
             <a:pPr defTabSz="957263"/>
-            <a:fld id="{62DC6764-E5A6-4F5D-9BE0-1872CA67F938}" type="slidenum">
+            <a:fld id="{605DB5FA-911E-4BF3-B110-C514FCC1E11C}" type="slidenum">
               <a:rPr lang="en-US" sz="1200"/>
               <a:pPr defTabSz="957263"/>
               <a:t>25</a:t>
@@ -3555,7 +3555,7 @@
           <a:lstStyle/>
           <a:p>
             <a:pPr defTabSz="957263"/>
-            <a:fld id="{8F05D7FC-0281-4D9E-B5F1-D49F7B184855}" type="slidenum">
+            <a:fld id="{CE872D34-7D2C-44BF-8102-652F2DD82635}" type="slidenum">
               <a:rPr lang="en-US" sz="1200"/>
               <a:pPr defTabSz="957263"/>
               <a:t>26</a:t>
@@ -3737,7 +3737,7 @@
           <a:lstStyle/>
           <a:p>
             <a:pPr defTabSz="957263"/>
-            <a:fld id="{3AEC169D-6797-49E6-9C53-B792C90C5580}" type="slidenum">
+            <a:fld id="{DBCEF757-96C9-4EE0-9156-379EA6C06FEA}" type="slidenum">
               <a:rPr lang="en-US" sz="1200"/>
               <a:pPr defTabSz="957263"/>
               <a:t>27</a:t>
@@ -3912,7 +3912,7 @@
           <a:lstStyle/>
           <a:p>
             <a:pPr defTabSz="957263"/>
-            <a:fld id="{E1FB49E4-EBA3-46A2-9223-624ED0E60BD6}" type="slidenum">
+            <a:fld id="{FA5C1007-E532-4B7B-A1FD-D3AF7D4FCBC7}" type="slidenum">
               <a:rPr lang="en-US" sz="1200"/>
               <a:pPr defTabSz="957263"/>
               <a:t>28</a:t>
@@ -4095,7 +4095,7 @@
           <a:bodyPr/>
           <a:lstStyle/>
           <a:p>
-            <a:fld id="{31651AC3-BF97-48B1-AA6A-0C07C5BA663C}" type="slidenum">
+            <a:fld id="{016B7D84-75D2-48FE-BDB1-2BD6C02DDABE}" type="slidenum">
               <a:rPr lang="en-US"/>
               <a:pPr/>
               <a:t>29</a:t>
@@ -4246,7 +4246,7 @@
           <a:lstStyle/>
           <a:p>
             <a:pPr defTabSz="957263"/>
-            <a:fld id="{79BE1059-0845-4C0B-874B-AB140446E37F}" type="slidenum">
+            <a:fld id="{67C6E1B9-F799-4720-89F7-8529074054A8}" type="slidenum">
               <a:rPr lang="en-US" sz="1200"/>
               <a:pPr defTabSz="957263"/>
               <a:t>3</a:t>
@@ -4332,7 +4332,7 @@
           <a:bodyPr/>
           <a:lstStyle/>
           <a:p>
-            <a:fld id="{A211B42F-8A5D-4BAA-8D4C-6799A5F948DE}" type="slidenum">
+            <a:fld id="{59065A08-6973-4501-A687-41C631B25187}" type="slidenum">
               <a:rPr lang="en-US"/>
               <a:pPr/>
               <a:t>30</a:t>
@@ -4540,7 +4540,7 @@
           <a:lstStyle/>
           <a:p>
             <a:pPr defTabSz="957263"/>
-            <a:fld id="{BBD6B8F1-DABA-43A6-BA0F-3BAE5C60F13B}" type="slidenum">
+            <a:fld id="{A2EA055C-673F-4D5D-AAAA-3F471D89F137}" type="slidenum">
               <a:rPr lang="en-US" sz="1200"/>
               <a:pPr defTabSz="957263"/>
               <a:t>31</a:t>
@@ -4690,7 +4690,7 @@
           <a:lstStyle/>
           <a:p>
             <a:pPr defTabSz="957263"/>
-            <a:fld id="{1CEF2CBB-BCC3-4181-8619-229FFABB2B66}" type="slidenum">
+            <a:fld id="{F522A35C-07E2-446F-8482-A018ABFB1B99}" type="slidenum">
               <a:rPr lang="en-US" sz="1200"/>
               <a:pPr defTabSz="957263"/>
               <a:t>32</a:t>
@@ -4865,7 +4865,7 @@
           <a:lstStyle/>
           <a:p>
             <a:pPr defTabSz="957263"/>
-            <a:fld id="{7670DD49-E025-469E-B775-1A5BD463005A}" type="slidenum">
+            <a:fld id="{57F6590D-324F-4A00-B448-8F420CE024A7}" type="slidenum">
               <a:rPr lang="en-US" sz="1200"/>
               <a:pPr defTabSz="957263"/>
               <a:t>33</a:t>
@@ -5051,7 +5051,7 @@
           <a:bodyPr/>
           <a:lstStyle/>
           <a:p>
-            <a:fld id="{4420598D-C86C-4704-8B8A-2E9593A8E04C}" type="slidenum">
+            <a:fld id="{7BBC4414-9742-465D-8180-65E496C83802}" type="slidenum">
               <a:rPr lang="en-US"/>
               <a:pPr/>
               <a:t>4</a:t>
@@ -5197,7 +5197,7 @@
           <a:lstStyle/>
           <a:p>
             <a:pPr defTabSz="957263"/>
-            <a:fld id="{60C92717-052F-4134-B780-CE273B534627}" type="slidenum">
+            <a:fld id="{D187F292-7EEE-4DDB-B4BA-2FE6326D9298}" type="slidenum">
               <a:rPr lang="en-US" sz="1200"/>
               <a:pPr defTabSz="957263"/>
               <a:t>5</a:t>
@@ -5297,7 +5297,7 @@
           <a:lstStyle/>
           <a:p>
             <a:pPr defTabSz="957263"/>
-            <a:fld id="{73CA6677-4894-47DE-AEE5-3B2A20C23B3A}" type="slidenum">
+            <a:fld id="{85F4BCCD-B069-4F30-9F57-8084D705535E}" type="slidenum">
               <a:rPr lang="en-US" sz="1200"/>
               <a:pPr defTabSz="957263"/>
               <a:t>6</a:t>
@@ -5394,7 +5394,7 @@
           <a:lstStyle/>
           <a:p>
             <a:pPr defTabSz="957263"/>
-            <a:fld id="{C02E066D-A9FB-4574-A4E7-B0FB77057B6A}" type="slidenum">
+            <a:fld id="{E135288E-39DF-4FAD-863F-964A5EA84907}" type="slidenum">
               <a:rPr lang="en-US" sz="1200"/>
               <a:pPr defTabSz="957263"/>
               <a:t>7</a:t>
@@ -5494,7 +5494,7 @@
           <a:lstStyle/>
           <a:p>
             <a:pPr defTabSz="957263"/>
-            <a:fld id="{FA122197-FE7B-40DE-A389-29C7F0D1D278}" type="slidenum">
+            <a:fld id="{A8B4089C-AAA1-4C33-B08A-F073D4EB98EE}" type="slidenum">
               <a:rPr lang="en-US" sz="1200"/>
               <a:pPr defTabSz="957263"/>
               <a:t>8</a:t>
@@ -5591,7 +5591,7 @@
           <a:lstStyle/>
           <a:p>
             <a:pPr defTabSz="957263"/>
-            <a:fld id="{DC47BC56-9BAC-4160-BF39-EDDA7C471B24}" type="slidenum">
+            <a:fld id="{D2597CBA-F223-46FA-A2EF-21513D09F8D1}" type="slidenum">
               <a:rPr lang="en-US" sz="1200"/>
               <a:pPr defTabSz="957263"/>
               <a:t>9</a:t>
@@ -6100,7 +6100,7 @@
             <a:pPr>
               <a:defRPr/>
             </a:pPr>
-            <a:fld id="{41E60B44-E352-437C-AFE7-64F4913D5636}" type="slidenum">
+            <a:fld id="{1F74740C-CB2D-409D-B464-89647E6450AC}" type="slidenum">
               <a:rPr lang="en-US"/>
               <a:pPr>
                 <a:defRPr/>
@@ -6511,7 +6511,7 @@
             <a:pPr>
               <a:defRPr/>
             </a:pPr>
-            <a:fld id="{A79D2B17-C8C5-4311-A320-74D74131956A}" type="slidenum">
+            <a:fld id="{A5B8BD4D-145F-4B17-A665-1DD0B4F3825B}" type="slidenum">
               <a:rPr lang="en-US"/>
               <a:pPr>
                 <a:defRPr/>
@@ -6833,7 +6833,7 @@
             <a:pPr>
               <a:defRPr/>
             </a:pPr>
-            <a:fld id="{D591A0BD-895F-4B31-9418-CE6AB8D3D177}" type="slidenum">
+            <a:fld id="{BCE6F2E4-A628-492F-9835-05248F491342}" type="slidenum">
               <a:rPr lang="en-US"/>
               <a:pPr>
                 <a:defRPr/>
@@ -7125,7 +7125,7 @@
             <a:pPr>
               <a:defRPr/>
             </a:pPr>
-            <a:fld id="{17B05540-D62D-4FC8-B5D8-562596D51A2A}" type="slidenum">
+            <a:fld id="{C26F85D3-100F-4F0A-A6C1-18F6373C84D9}" type="slidenum">
               <a:rPr lang="en-US"/>
               <a:pPr>
                 <a:defRPr/>
@@ -7593,7 +7593,7 @@
             <a:pPr>
               <a:defRPr/>
             </a:pPr>
-            <a:fld id="{3031DA8C-389E-47DD-9A1F-5E51AF48155A}" type="slidenum">
+            <a:fld id="{BEF497C5-D26C-4530-9358-B11F1E449713}" type="slidenum">
               <a:rPr lang="en-US"/>
               <a:pPr>
                 <a:defRPr/>
@@ -7862,7 +7862,7 @@
             <a:pPr>
               <a:defRPr/>
             </a:pPr>
-            <a:fld id="{3B8780FC-E213-4175-8477-1CE019E2CD31}" type="slidenum">
+            <a:fld id="{9A651861-2C4E-4DE9-A60A-049428639028}" type="slidenum">
               <a:rPr lang="en-US"/>
               <a:pPr>
                 <a:defRPr/>

--- a/slides/KeyStone NETCP PA.pptx
+++ b/slides/KeyStone NETCP PA.pptx
@@ -304,7 +304,7 @@
             <a:pPr>
               <a:defRPr/>
             </a:pPr>
-            <a:fld id="{31279A26-7A68-4E2B-ABB2-C0A05509CEDD}" type="datetimeFigureOut">
+            <a:fld id="{99E779E8-BF86-494F-8706-1300D0B4111B}" type="datetimeFigureOut">
               <a:rPr lang="en-US"/>
               <a:pPr>
                 <a:defRPr/>
@@ -403,7 +403,7 @@
             <a:pPr>
               <a:defRPr/>
             </a:pPr>
-            <a:fld id="{3E6234B8-4BA9-48D3-A998-BF8043728991}" type="slidenum">
+            <a:fld id="{10BDD1FA-BF16-4F19-9BCA-21AAFCFDDD8F}" type="slidenum">
               <a:rPr lang="en-US"/>
               <a:pPr>
                 <a:defRPr/>
@@ -720,7 +720,7 @@
             <a:pPr>
               <a:defRPr/>
             </a:pPr>
-            <a:fld id="{68EC4B03-4884-4F69-B38A-FEDE56853CC8}" type="slidenum">
+            <a:fld id="{07224BC2-ABA0-4DDD-9284-BB31E1693FD0}" type="slidenum">
               <a:rPr lang="en-US"/>
               <a:pPr>
                 <a:defRPr/>
@@ -969,7 +969,7 @@
           <a:lstStyle/>
           <a:p>
             <a:pPr defTabSz="957263"/>
-            <a:fld id="{AFB6BF04-6515-4627-B41B-1A2CDCBE4AF7}" type="slidenum">
+            <a:fld id="{FBC253F5-8056-4C56-B254-140C3779138D}" type="slidenum">
               <a:rPr lang="en-US" sz="1200"/>
               <a:pPr defTabSz="957263"/>
               <a:t>10</a:t>
@@ -1069,7 +1069,7 @@
           <a:lstStyle/>
           <a:p>
             <a:pPr defTabSz="957263"/>
-            <a:fld id="{8C79C7D3-48E5-45A6-AD46-2AE95F56949E}" type="slidenum">
+            <a:fld id="{192FE8EC-A40B-4371-B2F6-BD724322C325}" type="slidenum">
               <a:rPr lang="en-US" sz="1200"/>
               <a:pPr defTabSz="957263"/>
               <a:t>11</a:t>
@@ -1160,7 +1160,7 @@
           <a:bodyPr/>
           <a:lstStyle/>
           <a:p>
-            <a:fld id="{EEF2AD41-6C20-4440-A57A-F42A93C7085B}" type="slidenum">
+            <a:fld id="{2E78CA9B-64BF-4DAF-ADC7-401A9C9D8807}" type="slidenum">
               <a:rPr lang="en-US" smtClean="0"/>
               <a:pPr/>
               <a:t>12</a:t>
@@ -1326,7 +1326,7 @@
           <a:bodyPr/>
           <a:lstStyle/>
           <a:p>
-            <a:fld id="{00546B4F-1A78-4690-868C-4B0F94CEAAFF}" type="slidenum">
+            <a:fld id="{0DD0CB2A-D4C9-4305-93A8-028B4144BA70}" type="slidenum">
               <a:rPr lang="en-US" smtClean="0"/>
               <a:pPr/>
               <a:t>13</a:t>
@@ -1490,7 +1490,7 @@
           <a:lstStyle/>
           <a:p>
             <a:pPr defTabSz="957263"/>
-            <a:fld id="{7A4ED418-2D1D-473E-A992-9A712C52BFD3}" type="slidenum">
+            <a:fld id="{5793C8BA-2DA8-499D-9D79-578D19EAA757}" type="slidenum">
               <a:rPr lang="en-US" sz="1200"/>
               <a:pPr defTabSz="957263"/>
               <a:t>14</a:t>
@@ -1581,7 +1581,7 @@
           <a:bodyPr/>
           <a:lstStyle/>
           <a:p>
-            <a:fld id="{5FDD82FE-F155-40BF-97F9-BE7F23A0678B}" type="slidenum">
+            <a:fld id="{E4A3DFD8-37A9-4B64-82D8-4574F5D613FE}" type="slidenum">
               <a:rPr lang="en-US" smtClean="0"/>
               <a:pPr/>
               <a:t>15</a:t>
@@ -1687,7 +1687,7 @@
           <a:bodyPr/>
           <a:lstStyle/>
           <a:p>
-            <a:fld id="{6A83CDA7-BBF0-4B08-B149-5226CB99FEC8}" type="slidenum">
+            <a:fld id="{240239A6-78C2-43D0-B077-A2E787BA431F}" type="slidenum">
               <a:rPr lang="en-US" smtClean="0"/>
               <a:pPr/>
               <a:t>16</a:t>
@@ -1804,7 +1804,7 @@
           <a:bodyPr/>
           <a:lstStyle/>
           <a:p>
-            <a:fld id="{B9219544-2866-4223-A0C2-CA5E9B59F2B2}" type="slidenum">
+            <a:fld id="{8B80D2D5-5798-44F7-973F-8738F92B104F}" type="slidenum">
               <a:rPr lang="en-US" smtClean="0"/>
               <a:pPr/>
               <a:t>17</a:t>
@@ -1931,7 +1931,7 @@
           <a:bodyPr/>
           <a:lstStyle/>
           <a:p>
-            <a:fld id="{2FFB910F-A633-408B-830A-F9DF92BB6531}" type="slidenum">
+            <a:fld id="{7C779F72-DC83-4EC3-8A76-C48C9DE21241}" type="slidenum">
               <a:rPr lang="en-US" smtClean="0"/>
               <a:pPr/>
               <a:t>18</a:t>
@@ -2117,7 +2117,7 @@
             <a:pPr>
               <a:defRPr/>
             </a:pPr>
-            <a:fld id="{68EC4B03-4884-4F69-B38A-FEDE56853CC8}" type="slidenum">
+            <a:fld id="{07224BC2-ABA0-4DDD-9284-BB31E1693FD0}" type="slidenum">
               <a:rPr lang="en-US" smtClean="0"/>
               <a:pPr>
                 <a:defRPr/>
@@ -2170,7 +2170,7 @@
           <a:bodyPr/>
           <a:lstStyle/>
           <a:p>
-            <a:fld id="{78DCE552-174C-4E62-98BB-AEF689ADCAEB}" type="slidenum">
+            <a:fld id="{BE8DE767-1EF6-4990-8118-41AB77A392F2}" type="slidenum">
               <a:rPr lang="en-US" smtClean="0"/>
               <a:pPr/>
               <a:t>2</a:t>
@@ -2295,7 +2295,7 @@
             <a:pPr>
               <a:defRPr/>
             </a:pPr>
-            <a:fld id="{68EC4B03-4884-4F69-B38A-FEDE56853CC8}" type="slidenum">
+            <a:fld id="{07224BC2-ABA0-4DDD-9284-BB31E1693FD0}" type="slidenum">
               <a:rPr lang="en-US" smtClean="0"/>
               <a:pPr>
                 <a:defRPr/>
@@ -2360,7 +2360,7 @@
           <a:lstStyle/>
           <a:p>
             <a:pPr defTabSz="957263"/>
-            <a:fld id="{50D7EB35-968C-492E-8F0F-145B1A1F2A37}" type="slidenum">
+            <a:fld id="{3AE00611-CF4C-4799-8B73-2164F71077C4}" type="slidenum">
               <a:rPr lang="en-US" sz="1200"/>
               <a:pPr defTabSz="957263"/>
               <a:t>21</a:t>
@@ -2451,7 +2451,7 @@
           <a:bodyPr/>
           <a:lstStyle/>
           <a:p>
-            <a:fld id="{8A10EE79-A219-4127-A5D7-2272C136183E}" type="slidenum">
+            <a:fld id="{E5222715-B47B-41AC-9BCD-EB59A4D2CC11}" type="slidenum">
               <a:rPr lang="en-US" smtClean="0"/>
               <a:pPr/>
               <a:t>22</a:t>
@@ -2617,7 +2617,7 @@
           <a:bodyPr/>
           <a:lstStyle/>
           <a:p>
-            <a:fld id="{6AB3ECF1-9FED-48E4-A5DB-10D4CE13C69B}" type="slidenum">
+            <a:fld id="{6FA6A4E0-98D9-4D3F-BD2D-A034F3CC1F0E}" type="slidenum">
               <a:rPr lang="en-US" smtClean="0"/>
               <a:pPr/>
               <a:t>23</a:t>
@@ -2948,7 +2948,7 @@
           <a:bodyPr/>
           <a:lstStyle/>
           <a:p>
-            <a:fld id="{6948FCED-5C86-4DE5-B07B-88597C15798F}" type="slidenum">
+            <a:fld id="{5D86DD79-06CF-45CC-BA15-714DA137ABED}" type="slidenum">
               <a:rPr lang="en-US" smtClean="0"/>
               <a:pPr/>
               <a:t>24</a:t>
@@ -3232,7 +3232,7 @@
           <a:lstStyle/>
           <a:p>
             <a:pPr defTabSz="957263"/>
-            <a:fld id="{3981FAC4-F0C9-4E06-8A75-3E55B84DA46A}" type="slidenum">
+            <a:fld id="{E5E0AB7D-A3BB-4AEC-B165-3FC6A07BAD44}" type="slidenum">
               <a:rPr lang="en-US" sz="1200"/>
               <a:pPr defTabSz="957263"/>
               <a:t>25</a:t>
@@ -3381,7 +3381,7 @@
           <a:lstStyle/>
           <a:p>
             <a:pPr defTabSz="957263"/>
-            <a:fld id="{44975AF6-A7D1-4B91-B589-B7EA3BE48761}" type="slidenum">
+            <a:fld id="{F1487C43-0BEE-4D9B-AD0C-3E4040DCCF7A}" type="slidenum">
               <a:rPr lang="en-US" sz="1200"/>
               <a:pPr defTabSz="957263"/>
               <a:t>26</a:t>
@@ -3552,7 +3552,7 @@
           <a:lstStyle/>
           <a:p>
             <a:pPr defTabSz="957263"/>
-            <a:fld id="{F292F57A-E6F8-47C9-B19F-DA22F7B9BC39}" type="slidenum">
+            <a:fld id="{972865FB-D336-4B9B-A1F8-885564AFAA9D}" type="slidenum">
               <a:rPr lang="en-US" sz="1200"/>
               <a:pPr defTabSz="957263"/>
               <a:t>27</a:t>
@@ -3723,7 +3723,7 @@
           <a:lstStyle/>
           <a:p>
             <a:pPr defTabSz="957263"/>
-            <a:fld id="{83BEA5EE-1C7D-4D0B-883C-DFC53532B260}" type="slidenum">
+            <a:fld id="{A7FBAA43-DDBC-4709-8EE5-B0C69170DACB}" type="slidenum">
               <a:rPr lang="en-US" sz="1200"/>
               <a:pPr defTabSz="957263"/>
               <a:t>28</a:t>
@@ -3883,7 +3883,7 @@
           <a:lstStyle/>
           <a:p>
             <a:pPr defTabSz="957263"/>
-            <a:fld id="{6AFB397C-8A94-424C-BACC-1DD86727748D}" type="slidenum">
+            <a:fld id="{1F24C964-D6D8-44E4-A3ED-F4B73BC3858E}" type="slidenum">
               <a:rPr lang="en-US" sz="1200"/>
               <a:pPr defTabSz="957263"/>
               <a:t>29</a:t>
@@ -4047,7 +4047,7 @@
           <a:lstStyle/>
           <a:p>
             <a:pPr defTabSz="957263"/>
-            <a:fld id="{C2C9647B-ACAE-459F-AB2E-AB383E063EA2}" type="slidenum">
+            <a:fld id="{602A171A-CA3E-498C-8855-324D1EE42CF9}" type="slidenum">
               <a:rPr lang="en-US" sz="1200"/>
               <a:pPr defTabSz="957263"/>
               <a:t>3</a:t>
@@ -4150,7 +4150,7 @@
           <a:lstStyle/>
           <a:p>
             <a:pPr defTabSz="957263"/>
-            <a:fld id="{DE639978-8CD4-47E8-A2FB-DE50EC335D39}" type="slidenum">
+            <a:fld id="{020E2066-762C-4DE9-B0B0-8D18014C03EE}" type="slidenum">
               <a:rPr lang="en-US" sz="1200"/>
               <a:pPr defTabSz="957263"/>
               <a:t>30</a:t>
@@ -4335,7 +4335,7 @@
           <a:lstStyle/>
           <a:p>
             <a:pPr defTabSz="957263"/>
-            <a:fld id="{8CB9BDE5-BB1E-4CAD-BE25-2063B23F745E}" type="slidenum">
+            <a:fld id="{6B0C42B8-444D-40C8-B77E-2248D31541CF}" type="slidenum">
               <a:rPr lang="en-US" sz="1200"/>
               <a:pPr defTabSz="957263"/>
               <a:t>31</a:t>
@@ -4513,7 +4513,7 @@
           <a:lstStyle/>
           <a:p>
             <a:pPr defTabSz="957263"/>
-            <a:fld id="{7CAB4A6E-03FD-4E97-9EFD-4D0763263879}" type="slidenum">
+            <a:fld id="{C60A3D1D-1A7D-422B-B40C-9538052F546C}" type="slidenum">
               <a:rPr lang="en-US" sz="1200"/>
               <a:pPr defTabSz="957263"/>
               <a:t>32</a:t>
@@ -4701,7 +4701,7 @@
           <a:bodyPr/>
           <a:lstStyle/>
           <a:p>
-            <a:fld id="{E2203E6C-6D9E-4470-A6C5-926AB29F21A0}" type="slidenum">
+            <a:fld id="{4E8278BA-CF70-4A4F-BB10-16B9D8E6C833}" type="slidenum">
               <a:rPr lang="en-US" smtClean="0"/>
               <a:pPr/>
               <a:t>33</a:t>
@@ -4843,7 +4843,7 @@
           <a:bodyPr/>
           <a:lstStyle/>
           <a:p>
-            <a:fld id="{61C23C94-7BAB-4D41-B62C-94EF44C2E046}" type="slidenum">
+            <a:fld id="{FDF0EC9B-D234-4D15-BBCC-9A0D8683D2B7}" type="slidenum">
               <a:rPr lang="en-US" smtClean="0"/>
               <a:pPr/>
               <a:t>34</a:t>
@@ -5054,7 +5054,7 @@
           <a:lstStyle/>
           <a:p>
             <a:pPr defTabSz="957263"/>
-            <a:fld id="{037CC355-9BE9-4102-B286-469F2E697D85}" type="slidenum">
+            <a:fld id="{6B33C902-AA4D-411E-BF2A-14CBEACDCA2D}" type="slidenum">
               <a:rPr lang="en-US" sz="1200"/>
               <a:pPr defTabSz="957263"/>
               <a:t>35</a:t>
@@ -5207,7 +5207,7 @@
           <a:lstStyle/>
           <a:p>
             <a:pPr defTabSz="957263"/>
-            <a:fld id="{630B2561-BE2C-440D-B6E1-FD4D0B3B48AC}" type="slidenum">
+            <a:fld id="{7434952F-6502-41C0-8A0F-8BBF4759E985}" type="slidenum">
               <a:rPr lang="en-US" sz="1200"/>
               <a:pPr defTabSz="957263"/>
               <a:t>36</a:t>
@@ -5385,7 +5385,7 @@
           <a:lstStyle/>
           <a:p>
             <a:pPr defTabSz="957263"/>
-            <a:fld id="{C32DE2C8-DE69-4D60-9235-14AAE4B42E1A}" type="slidenum">
+            <a:fld id="{B3027DC8-BE13-4783-9876-525D5C5A006C}" type="slidenum">
               <a:rPr lang="en-US" sz="1200"/>
               <a:pPr defTabSz="957263"/>
               <a:t>37</a:t>
@@ -5613,7 +5613,7 @@
             <a:pPr>
               <a:defRPr/>
             </a:pPr>
-            <a:fld id="{68EC4B03-4884-4F69-B38A-FEDE56853CC8}" type="slidenum">
+            <a:fld id="{07224BC2-ABA0-4DDD-9284-BB31E1693FD0}" type="slidenum">
               <a:rPr lang="en-US" smtClean="0"/>
               <a:pPr>
                 <a:defRPr/>
@@ -5666,7 +5666,7 @@
           <a:bodyPr/>
           <a:lstStyle/>
           <a:p>
-            <a:fld id="{C6C7B5D2-5B72-4FE2-ACAF-E2EDEE0FED76}" type="slidenum">
+            <a:fld id="{61505966-4F55-4E2F-9E8E-472F459E6626}" type="slidenum">
               <a:rPr lang="en-US" smtClean="0"/>
               <a:pPr/>
               <a:t>4</a:t>
@@ -5837,7 +5837,7 @@
             <a:pPr>
               <a:defRPr/>
             </a:pPr>
-            <a:fld id="{68EC4B03-4884-4F69-B38A-FEDE56853CC8}" type="slidenum">
+            <a:fld id="{07224BC2-ABA0-4DDD-9284-BB31E1693FD0}" type="slidenum">
               <a:rPr lang="en-US" smtClean="0"/>
               <a:pPr>
                 <a:defRPr/>
@@ -5924,7 +5924,7 @@
             <a:pPr>
               <a:defRPr/>
             </a:pPr>
-            <a:fld id="{68EC4B03-4884-4F69-B38A-FEDE56853CC8}" type="slidenum">
+            <a:fld id="{07224BC2-ABA0-4DDD-9284-BB31E1693FD0}" type="slidenum">
               <a:rPr lang="en-US" smtClean="0"/>
               <a:pPr>
                 <a:defRPr/>
@@ -6011,7 +6011,7 @@
             <a:pPr>
               <a:defRPr/>
             </a:pPr>
-            <a:fld id="{68EC4B03-4884-4F69-B38A-FEDE56853CC8}" type="slidenum">
+            <a:fld id="{07224BC2-ABA0-4DDD-9284-BB31E1693FD0}" type="slidenum">
               <a:rPr lang="en-US" smtClean="0"/>
               <a:pPr>
                 <a:defRPr/>
@@ -6098,7 +6098,7 @@
             <a:pPr>
               <a:defRPr/>
             </a:pPr>
-            <a:fld id="{68EC4B03-4884-4F69-B38A-FEDE56853CC8}" type="slidenum">
+            <a:fld id="{07224BC2-ABA0-4DDD-9284-BB31E1693FD0}" type="slidenum">
               <a:rPr lang="en-US" smtClean="0"/>
               <a:pPr>
                 <a:defRPr/>
@@ -6185,7 +6185,7 @@
             <a:pPr>
               <a:defRPr/>
             </a:pPr>
-            <a:fld id="{68EC4B03-4884-4F69-B38A-FEDE56853CC8}" type="slidenum">
+            <a:fld id="{07224BC2-ABA0-4DDD-9284-BB31E1693FD0}" type="slidenum">
               <a:rPr lang="en-US" smtClean="0"/>
               <a:pPr>
                 <a:defRPr/>
@@ -6272,7 +6272,7 @@
             <a:pPr>
               <a:defRPr/>
             </a:pPr>
-            <a:fld id="{68EC4B03-4884-4F69-B38A-FEDE56853CC8}" type="slidenum">
+            <a:fld id="{07224BC2-ABA0-4DDD-9284-BB31E1693FD0}" type="slidenum">
               <a:rPr lang="en-US" smtClean="0"/>
               <a:pPr>
                 <a:defRPr/>
@@ -6337,7 +6337,7 @@
           <a:lstStyle/>
           <a:p>
             <a:pPr defTabSz="957263"/>
-            <a:fld id="{5D6B77B7-F829-4870-8A90-A6526AE0EE71}" type="slidenum">
+            <a:fld id="{EC100234-09B2-4D43-BCF1-5E0A5821849B}" type="slidenum">
               <a:rPr lang="en-US" sz="1200"/>
               <a:pPr defTabSz="957263"/>
               <a:t>5</a:t>
@@ -6440,7 +6440,7 @@
           <a:lstStyle/>
           <a:p>
             <a:pPr defTabSz="950913"/>
-            <a:fld id="{1B3772B0-0E53-48B1-B922-EB50944A6517}" type="slidenum">
+            <a:fld id="{FED73064-00CB-4D7E-8765-E7A87E525A43}" type="slidenum">
               <a:rPr lang="en-US" sz="1300">
                 <a:solidFill>
                   <a:srgbClr val="000000"/>
@@ -6580,7 +6580,7 @@
             <a:pPr>
               <a:defRPr/>
             </a:pPr>
-            <a:fld id="{68EC4B03-4884-4F69-B38A-FEDE56853CC8}" type="slidenum">
+            <a:fld id="{07224BC2-ABA0-4DDD-9284-BB31E1693FD0}" type="slidenum">
               <a:rPr lang="en-US" smtClean="0"/>
               <a:pPr>
                 <a:defRPr/>
@@ -6645,7 +6645,7 @@
           <a:lstStyle/>
           <a:p>
             <a:pPr defTabSz="957263"/>
-            <a:fld id="{79EDB80B-0702-4594-AB3A-E8898CC180A6}" type="slidenum">
+            <a:fld id="{71C0F842-FA40-428C-9731-C45C33D21796}" type="slidenum">
               <a:rPr lang="en-US" sz="1200"/>
               <a:pPr defTabSz="957263"/>
               <a:t>8</a:t>
@@ -6745,7 +6745,7 @@
           <a:lstStyle/>
           <a:p>
             <a:pPr defTabSz="957263"/>
-            <a:fld id="{6C197B43-FA69-489D-BAD8-0C7A8F480C45}" type="slidenum">
+            <a:fld id="{CD796BB2-A447-434A-A291-67D59992ED8A}" type="slidenum">
               <a:rPr lang="en-US" sz="1200"/>
               <a:pPr defTabSz="957263"/>
               <a:t>9</a:t>
@@ -7255,7 +7255,7 @@
             <a:pPr>
               <a:defRPr/>
             </a:pPr>
-            <a:fld id="{54BB2693-D734-4FD9-B76A-22AA5F979C12}" type="slidenum">
+            <a:fld id="{EB8127CF-1318-43D0-8ACB-E265BFF972B2}" type="slidenum">
               <a:rPr lang="en-US"/>
               <a:pPr>
                 <a:defRPr/>
@@ -7664,7 +7664,7 @@
             <a:pPr>
               <a:defRPr/>
             </a:pPr>
-            <a:fld id="{89A26CA2-E607-407D-A4C3-43F38476AA47}" type="slidenum">
+            <a:fld id="{70359F00-2C56-4905-B888-1648186A206F}" type="slidenum">
               <a:rPr lang="en-US"/>
               <a:pPr>
                 <a:defRPr/>
@@ -7984,7 +7984,7 @@
             <a:pPr>
               <a:defRPr/>
             </a:pPr>
-            <a:fld id="{4BD0378A-D74B-47C9-8F87-96A844147405}" type="slidenum">
+            <a:fld id="{1242A612-1029-4EA2-8426-1F313F7D35C3}" type="slidenum">
               <a:rPr lang="en-US"/>
               <a:pPr>
                 <a:defRPr/>
@@ -8274,7 +8274,7 @@
             <a:pPr>
               <a:defRPr/>
             </a:pPr>
-            <a:fld id="{877D48AF-C3EA-4FF1-A228-56792B82EA89}" type="slidenum">
+            <a:fld id="{3AF525F1-2A03-460F-B47F-C66B0D431DB1}" type="slidenum">
               <a:rPr lang="en-US"/>
               <a:pPr>
                 <a:defRPr/>
@@ -8740,7 +8740,7 @@
             <a:pPr>
               <a:defRPr/>
             </a:pPr>
-            <a:fld id="{A2D472B2-F32E-4665-B9B6-D8754C4ED40C}" type="slidenum">
+            <a:fld id="{9D3AB913-4906-4699-B6EB-86078DC2F427}" type="slidenum">
               <a:rPr lang="en-US"/>
               <a:pPr>
                 <a:defRPr/>
@@ -9007,7 +9007,7 @@
             <a:pPr>
               <a:defRPr/>
             </a:pPr>
-            <a:fld id="{1020B4F4-0328-4BB2-82DE-3384637576ED}" type="slidenum">
+            <a:fld id="{75E1F459-DFE8-41D9-A0A8-750DE94F12A6}" type="slidenum">
               <a:rPr lang="en-US"/>
               <a:pPr>
                 <a:defRPr/>
@@ -9627,8 +9627,8 @@
         </p:nvSpPr>
         <p:spPr>
           <a:xfrm>
-            <a:off x="7930120" y="6498264"/>
-            <a:ext cx="856260" cy="276999"/>
+            <a:off x="7431621" y="6498264"/>
+            <a:ext cx="1357103" cy="276999"/>
           </a:xfrm>
           <a:prstGeom prst="rect">
             <a:avLst/>
@@ -9669,7 +9669,26 @@
                 </a:solidFill>
                 <a:latin typeface="Calibri"/>
               </a:rPr>
-              <a:t>CI Training</a:t>
+              <a:t>Multicore </a:t>
+            </a:r>
+            <a:r>
+              <a:rPr lang="en-US" sz="1200" b="1" dirty="0">
+                <a:ln w="10541" cmpd="sng">
+                  <a:solidFill>
+                    <a:srgbClr val="7D7D7D">
+                      <a:tint val="100000"/>
+                      <a:shade val="100000"/>
+                      <a:satMod val="110000"/>
+                    </a:srgbClr>
+                  </a:solidFill>
+                  <a:prstDash val="solid"/>
+                </a:ln>
+                <a:solidFill>
+                  <a:prstClr val="black"/>
+                </a:solidFill>
+                <a:latin typeface="Calibri"/>
+              </a:rPr>
+              <a:t>Training</a:t>
             </a:r>
           </a:p>
         </p:txBody>
@@ -9678,8 +9697,8 @@
   </p:cSld>
   <p:clrMap bg1="lt1" tx1="dk1" bg2="lt2" tx2="dk2" accent1="accent1" accent2="accent2" accent3="accent3" accent4="accent4" accent5="accent5" accent6="accent6" hlink="hlink" folHlink="folHlink"/>
   <p:sldLayoutIdLst>
-    <p:sldLayoutId id="2147483828" r:id="rId1"/>
-    <p:sldLayoutId id="2147483829" r:id="rId2"/>
+    <p:sldLayoutId id="2147483844" r:id="rId1"/>
+    <p:sldLayoutId id="2147483845" r:id="rId2"/>
   </p:sldLayoutIdLst>
   <p:hf sldNum="0" hdr="0" ftr="0" dt="0"/>
   <p:txStyles>
@@ -10202,13 +10221,13 @@
   </p:cSld>
   <p:clrMap bg1="lt1" tx1="dk1" bg2="lt2" tx2="dk2" accent1="accent1" accent2="accent2" accent3="accent3" accent4="accent4" accent5="accent5" accent6="accent6" hlink="hlink" folHlink="folHlink"/>
   <p:sldLayoutIdLst>
-    <p:sldLayoutId id="2147483830" r:id="rId1"/>
-    <p:sldLayoutId id="2147483831" r:id="rId2"/>
-    <p:sldLayoutId id="2147483832" r:id="rId3"/>
-    <p:sldLayoutId id="2147483833" r:id="rId4"/>
-    <p:sldLayoutId id="2147483834" r:id="rId5"/>
-    <p:sldLayoutId id="2147483835" r:id="rId6"/>
-    <p:sldLayoutId id="2147483836" r:id="rId7"/>
+    <p:sldLayoutId id="2147483846" r:id="rId1"/>
+    <p:sldLayoutId id="2147483847" r:id="rId2"/>
+    <p:sldLayoutId id="2147483848" r:id="rId3"/>
+    <p:sldLayoutId id="2147483849" r:id="rId4"/>
+    <p:sldLayoutId id="2147483850" r:id="rId5"/>
+    <p:sldLayoutId id="2147483851" r:id="rId6"/>
+    <p:sldLayoutId id="2147483852" r:id="rId7"/>
   </p:sldLayoutIdLst>
   <p:hf sldNum="0" hdr="0" ftr="0" dt="0"/>
   <p:txStyles>

--- a/slides/KeyStone NETCP PA.pptx
+++ b/slides/KeyStone NETCP PA.pptx
@@ -304,12 +304,12 @@
             <a:pPr>
               <a:defRPr/>
             </a:pPr>
-            <a:fld id="{99E779E8-BF86-494F-8706-1300D0B4111B}" type="datetimeFigureOut">
+            <a:fld id="{FFA9F2A6-FB0C-4327-B9B5-6F5ED23B6C08}" type="datetimeFigureOut">
               <a:rPr lang="en-US"/>
               <a:pPr>
                 <a:defRPr/>
               </a:pPr>
-              <a:t>3/7/2012</a:t>
+              <a:t>3/21/2012</a:t>
             </a:fld>
             <a:endParaRPr lang="en-US"/>
           </a:p>
@@ -403,7 +403,7 @@
             <a:pPr>
               <a:defRPr/>
             </a:pPr>
-            <a:fld id="{10BDD1FA-BF16-4F19-9BCA-21AAFCFDDD8F}" type="slidenum">
+            <a:fld id="{EE231389-ED17-4937-B652-F9491A0CA333}" type="slidenum">
               <a:rPr lang="en-US"/>
               <a:pPr>
                 <a:defRPr/>
@@ -720,7 +720,7 @@
             <a:pPr>
               <a:defRPr/>
             </a:pPr>
-            <a:fld id="{07224BC2-ABA0-4DDD-9284-BB31E1693FD0}" type="slidenum">
+            <a:fld id="{9CA73A7A-3357-41C2-9AD1-41E2D1E42C2B}" type="slidenum">
               <a:rPr lang="en-US"/>
               <a:pPr>
                 <a:defRPr/>
@@ -969,7 +969,7 @@
           <a:lstStyle/>
           <a:p>
             <a:pPr defTabSz="957263"/>
-            <a:fld id="{FBC253F5-8056-4C56-B254-140C3779138D}" type="slidenum">
+            <a:fld id="{1912F747-9218-497A-8DDF-40C0A993E654}" type="slidenum">
               <a:rPr lang="en-US" sz="1200"/>
               <a:pPr defTabSz="957263"/>
               <a:t>10</a:t>
@@ -1069,7 +1069,7 @@
           <a:lstStyle/>
           <a:p>
             <a:pPr defTabSz="957263"/>
-            <a:fld id="{192FE8EC-A40B-4371-B2F6-BD724322C325}" type="slidenum">
+            <a:fld id="{DD0A613D-F910-4E07-B492-09AB9140DC88}" type="slidenum">
               <a:rPr lang="en-US" sz="1200"/>
               <a:pPr defTabSz="957263"/>
               <a:t>11</a:t>
@@ -1160,7 +1160,7 @@
           <a:bodyPr/>
           <a:lstStyle/>
           <a:p>
-            <a:fld id="{2E78CA9B-64BF-4DAF-ADC7-401A9C9D8807}" type="slidenum">
+            <a:fld id="{2EFF841F-4B4D-494E-9938-B80A8094ACFC}" type="slidenum">
               <a:rPr lang="en-US" smtClean="0"/>
               <a:pPr/>
               <a:t>12</a:t>
@@ -1326,7 +1326,7 @@
           <a:bodyPr/>
           <a:lstStyle/>
           <a:p>
-            <a:fld id="{0DD0CB2A-D4C9-4305-93A8-028B4144BA70}" type="slidenum">
+            <a:fld id="{84D62F9E-EF58-4FEF-BFF8-D8E2E203831C}" type="slidenum">
               <a:rPr lang="en-US" smtClean="0"/>
               <a:pPr/>
               <a:t>13</a:t>
@@ -1490,7 +1490,7 @@
           <a:lstStyle/>
           <a:p>
             <a:pPr defTabSz="957263"/>
-            <a:fld id="{5793C8BA-2DA8-499D-9D79-578D19EAA757}" type="slidenum">
+            <a:fld id="{3584D680-AAB9-478C-9F8C-45D115489983}" type="slidenum">
               <a:rPr lang="en-US" sz="1200"/>
               <a:pPr defTabSz="957263"/>
               <a:t>14</a:t>
@@ -1581,7 +1581,7 @@
           <a:bodyPr/>
           <a:lstStyle/>
           <a:p>
-            <a:fld id="{E4A3DFD8-37A9-4B64-82D8-4574F5D613FE}" type="slidenum">
+            <a:fld id="{A47EF0E1-FA4F-4FA3-8E75-A2CD8D236A37}" type="slidenum">
               <a:rPr lang="en-US" smtClean="0"/>
               <a:pPr/>
               <a:t>15</a:t>
@@ -1687,7 +1687,7 @@
           <a:bodyPr/>
           <a:lstStyle/>
           <a:p>
-            <a:fld id="{240239A6-78C2-43D0-B077-A2E787BA431F}" type="slidenum">
+            <a:fld id="{405801EC-490C-4DDA-8ACD-0FD03BBCBF7E}" type="slidenum">
               <a:rPr lang="en-US" smtClean="0"/>
               <a:pPr/>
               <a:t>16</a:t>
@@ -1804,7 +1804,7 @@
           <a:bodyPr/>
           <a:lstStyle/>
           <a:p>
-            <a:fld id="{8B80D2D5-5798-44F7-973F-8738F92B104F}" type="slidenum">
+            <a:fld id="{E05BF6BE-63E7-4DFD-A1C0-3FAD2AD22FD8}" type="slidenum">
               <a:rPr lang="en-US" smtClean="0"/>
               <a:pPr/>
               <a:t>17</a:t>
@@ -1931,7 +1931,7 @@
           <a:bodyPr/>
           <a:lstStyle/>
           <a:p>
-            <a:fld id="{7C779F72-DC83-4EC3-8A76-C48C9DE21241}" type="slidenum">
+            <a:fld id="{A458F6BC-23F9-417C-A8D5-348DB7D2E095}" type="slidenum">
               <a:rPr lang="en-US" smtClean="0"/>
               <a:pPr/>
               <a:t>18</a:t>
@@ -2117,7 +2117,7 @@
             <a:pPr>
               <a:defRPr/>
             </a:pPr>
-            <a:fld id="{07224BC2-ABA0-4DDD-9284-BB31E1693FD0}" type="slidenum">
+            <a:fld id="{9CA73A7A-3357-41C2-9AD1-41E2D1E42C2B}" type="slidenum">
               <a:rPr lang="en-US" smtClean="0"/>
               <a:pPr>
                 <a:defRPr/>
@@ -2170,7 +2170,7 @@
           <a:bodyPr/>
           <a:lstStyle/>
           <a:p>
-            <a:fld id="{BE8DE767-1EF6-4990-8118-41AB77A392F2}" type="slidenum">
+            <a:fld id="{FFD7463C-2995-4897-B817-784C9237A1A4}" type="slidenum">
               <a:rPr lang="en-US" smtClean="0"/>
               <a:pPr/>
               <a:t>2</a:t>
@@ -2295,7 +2295,7 @@
             <a:pPr>
               <a:defRPr/>
             </a:pPr>
-            <a:fld id="{07224BC2-ABA0-4DDD-9284-BB31E1693FD0}" type="slidenum">
+            <a:fld id="{9CA73A7A-3357-41C2-9AD1-41E2D1E42C2B}" type="slidenum">
               <a:rPr lang="en-US" smtClean="0"/>
               <a:pPr>
                 <a:defRPr/>
@@ -2360,7 +2360,7 @@
           <a:lstStyle/>
           <a:p>
             <a:pPr defTabSz="957263"/>
-            <a:fld id="{3AE00611-CF4C-4799-8B73-2164F71077C4}" type="slidenum">
+            <a:fld id="{74D2F585-1F9A-4A93-AAA3-47AC82724A2B}" type="slidenum">
               <a:rPr lang="en-US" sz="1200"/>
               <a:pPr defTabSz="957263"/>
               <a:t>21</a:t>
@@ -2451,7 +2451,7 @@
           <a:bodyPr/>
           <a:lstStyle/>
           <a:p>
-            <a:fld id="{E5222715-B47B-41AC-9BCD-EB59A4D2CC11}" type="slidenum">
+            <a:fld id="{35A8ED91-DD2B-4966-80A7-8A575B117665}" type="slidenum">
               <a:rPr lang="en-US" smtClean="0"/>
               <a:pPr/>
               <a:t>22</a:t>
@@ -2617,7 +2617,7 @@
           <a:bodyPr/>
           <a:lstStyle/>
           <a:p>
-            <a:fld id="{6FA6A4E0-98D9-4D3F-BD2D-A034F3CC1F0E}" type="slidenum">
+            <a:fld id="{3F095880-04EE-4272-83E4-D87C193DC5AE}" type="slidenum">
               <a:rPr lang="en-US" smtClean="0"/>
               <a:pPr/>
               <a:t>23</a:t>
@@ -2948,7 +2948,7 @@
           <a:bodyPr/>
           <a:lstStyle/>
           <a:p>
-            <a:fld id="{5D86DD79-06CF-45CC-BA15-714DA137ABED}" type="slidenum">
+            <a:fld id="{53B14E8B-AD8B-4450-B0F5-997573A93E14}" type="slidenum">
               <a:rPr lang="en-US" smtClean="0"/>
               <a:pPr/>
               <a:t>24</a:t>
@@ -3232,7 +3232,7 @@
           <a:lstStyle/>
           <a:p>
             <a:pPr defTabSz="957263"/>
-            <a:fld id="{E5E0AB7D-A3BB-4AEC-B165-3FC6A07BAD44}" type="slidenum">
+            <a:fld id="{32138783-DAAE-4EFE-81AF-04BEB08CB880}" type="slidenum">
               <a:rPr lang="en-US" sz="1200"/>
               <a:pPr defTabSz="957263"/>
               <a:t>25</a:t>
@@ -3381,7 +3381,7 @@
           <a:lstStyle/>
           <a:p>
             <a:pPr defTabSz="957263"/>
-            <a:fld id="{F1487C43-0BEE-4D9B-AD0C-3E4040DCCF7A}" type="slidenum">
+            <a:fld id="{195D5B74-E29F-430A-92B8-FB14EAF1D75A}" type="slidenum">
               <a:rPr lang="en-US" sz="1200"/>
               <a:pPr defTabSz="957263"/>
               <a:t>26</a:t>
@@ -3552,7 +3552,7 @@
           <a:lstStyle/>
           <a:p>
             <a:pPr defTabSz="957263"/>
-            <a:fld id="{972865FB-D336-4B9B-A1F8-885564AFAA9D}" type="slidenum">
+            <a:fld id="{640D1C3D-6410-4651-AF4D-AAF4FA5A38CC}" type="slidenum">
               <a:rPr lang="en-US" sz="1200"/>
               <a:pPr defTabSz="957263"/>
               <a:t>27</a:t>
@@ -3723,7 +3723,7 @@
           <a:lstStyle/>
           <a:p>
             <a:pPr defTabSz="957263"/>
-            <a:fld id="{A7FBAA43-DDBC-4709-8EE5-B0C69170DACB}" type="slidenum">
+            <a:fld id="{FFB5378A-468F-4F47-83FD-E5CF3C55AD3B}" type="slidenum">
               <a:rPr lang="en-US" sz="1200"/>
               <a:pPr defTabSz="957263"/>
               <a:t>28</a:t>
@@ -3883,7 +3883,7 @@
           <a:lstStyle/>
           <a:p>
             <a:pPr defTabSz="957263"/>
-            <a:fld id="{1F24C964-D6D8-44E4-A3ED-F4B73BC3858E}" type="slidenum">
+            <a:fld id="{85CA48BA-7D1B-489E-B943-32B7D9C42C96}" type="slidenum">
               <a:rPr lang="en-US" sz="1200"/>
               <a:pPr defTabSz="957263"/>
               <a:t>29</a:t>
@@ -4047,7 +4047,7 @@
           <a:lstStyle/>
           <a:p>
             <a:pPr defTabSz="957263"/>
-            <a:fld id="{602A171A-CA3E-498C-8855-324D1EE42CF9}" type="slidenum">
+            <a:fld id="{91BB6211-E8B9-41AC-8531-9939D572ECC4}" type="slidenum">
               <a:rPr lang="en-US" sz="1200"/>
               <a:pPr defTabSz="957263"/>
               <a:t>3</a:t>
@@ -4150,7 +4150,7 @@
           <a:lstStyle/>
           <a:p>
             <a:pPr defTabSz="957263"/>
-            <a:fld id="{020E2066-762C-4DE9-B0B0-8D18014C03EE}" type="slidenum">
+            <a:fld id="{9CFD6D9A-6937-4844-94D9-4285D0299ECA}" type="slidenum">
               <a:rPr lang="en-US" sz="1200"/>
               <a:pPr defTabSz="957263"/>
               <a:t>30</a:t>
@@ -4335,7 +4335,7 @@
           <a:lstStyle/>
           <a:p>
             <a:pPr defTabSz="957263"/>
-            <a:fld id="{6B0C42B8-444D-40C8-B77E-2248D31541CF}" type="slidenum">
+            <a:fld id="{AEE90BA4-E8CD-453F-A9BB-D965E7562BA0}" type="slidenum">
               <a:rPr lang="en-US" sz="1200"/>
               <a:pPr defTabSz="957263"/>
               <a:t>31</a:t>
@@ -4513,7 +4513,7 @@
           <a:lstStyle/>
           <a:p>
             <a:pPr defTabSz="957263"/>
-            <a:fld id="{C60A3D1D-1A7D-422B-B40C-9538052F546C}" type="slidenum">
+            <a:fld id="{920158E2-60D3-4AEE-9D8F-7A836170B516}" type="slidenum">
               <a:rPr lang="en-US" sz="1200"/>
               <a:pPr defTabSz="957263"/>
               <a:t>32</a:t>
@@ -4701,7 +4701,7 @@
           <a:bodyPr/>
           <a:lstStyle/>
           <a:p>
-            <a:fld id="{4E8278BA-CF70-4A4F-BB10-16B9D8E6C833}" type="slidenum">
+            <a:fld id="{5115A65E-133F-48EC-B86B-C30729AEA01B}" type="slidenum">
               <a:rPr lang="en-US" smtClean="0"/>
               <a:pPr/>
               <a:t>33</a:t>
@@ -4843,7 +4843,7 @@
           <a:bodyPr/>
           <a:lstStyle/>
           <a:p>
-            <a:fld id="{FDF0EC9B-D234-4D15-BBCC-9A0D8683D2B7}" type="slidenum">
+            <a:fld id="{D7866C80-75DB-4139-8CA2-8C9E355881CB}" type="slidenum">
               <a:rPr lang="en-US" smtClean="0"/>
               <a:pPr/>
               <a:t>34</a:t>
@@ -5054,7 +5054,7 @@
           <a:lstStyle/>
           <a:p>
             <a:pPr defTabSz="957263"/>
-            <a:fld id="{6B33C902-AA4D-411E-BF2A-14CBEACDCA2D}" type="slidenum">
+            <a:fld id="{CEC50AC2-21E1-4FDD-8B66-0F3166574695}" type="slidenum">
               <a:rPr lang="en-US" sz="1200"/>
               <a:pPr defTabSz="957263"/>
               <a:t>35</a:t>
@@ -5207,7 +5207,7 @@
           <a:lstStyle/>
           <a:p>
             <a:pPr defTabSz="957263"/>
-            <a:fld id="{7434952F-6502-41C0-8A0F-8BBF4759E985}" type="slidenum">
+            <a:fld id="{90D86968-0F7C-4E4A-AFE5-597E91785AC5}" type="slidenum">
               <a:rPr lang="en-US" sz="1200"/>
               <a:pPr defTabSz="957263"/>
               <a:t>36</a:t>
@@ -5385,7 +5385,7 @@
           <a:lstStyle/>
           <a:p>
             <a:pPr defTabSz="957263"/>
-            <a:fld id="{B3027DC8-BE13-4783-9876-525D5C5A006C}" type="slidenum">
+            <a:fld id="{12C37672-16A3-4E00-8827-6923A4C0DD63}" type="slidenum">
               <a:rPr lang="en-US" sz="1200"/>
               <a:pPr defTabSz="957263"/>
               <a:t>37</a:t>
@@ -5613,7 +5613,7 @@
             <a:pPr>
               <a:defRPr/>
             </a:pPr>
-            <a:fld id="{07224BC2-ABA0-4DDD-9284-BB31E1693FD0}" type="slidenum">
+            <a:fld id="{9CA73A7A-3357-41C2-9AD1-41E2D1E42C2B}" type="slidenum">
               <a:rPr lang="en-US" smtClean="0"/>
               <a:pPr>
                 <a:defRPr/>
@@ -5666,7 +5666,7 @@
           <a:bodyPr/>
           <a:lstStyle/>
           <a:p>
-            <a:fld id="{61505966-4F55-4E2F-9E8E-472F459E6626}" type="slidenum">
+            <a:fld id="{ECEC0645-DB23-4ADA-8EF2-CF926597DD6E}" type="slidenum">
               <a:rPr lang="en-US" smtClean="0"/>
               <a:pPr/>
               <a:t>4</a:t>
@@ -5837,7 +5837,7 @@
             <a:pPr>
               <a:defRPr/>
             </a:pPr>
-            <a:fld id="{07224BC2-ABA0-4DDD-9284-BB31E1693FD0}" type="slidenum">
+            <a:fld id="{9CA73A7A-3357-41C2-9AD1-41E2D1E42C2B}" type="slidenum">
               <a:rPr lang="en-US" smtClean="0"/>
               <a:pPr>
                 <a:defRPr/>
@@ -5924,7 +5924,7 @@
             <a:pPr>
               <a:defRPr/>
             </a:pPr>
-            <a:fld id="{07224BC2-ABA0-4DDD-9284-BB31E1693FD0}" type="slidenum">
+            <a:fld id="{9CA73A7A-3357-41C2-9AD1-41E2D1E42C2B}" type="slidenum">
               <a:rPr lang="en-US" smtClean="0"/>
               <a:pPr>
                 <a:defRPr/>
@@ -6011,7 +6011,7 @@
             <a:pPr>
               <a:defRPr/>
             </a:pPr>
-            <a:fld id="{07224BC2-ABA0-4DDD-9284-BB31E1693FD0}" type="slidenum">
+            <a:fld id="{9CA73A7A-3357-41C2-9AD1-41E2D1E42C2B}" type="slidenum">
               <a:rPr lang="en-US" smtClean="0"/>
               <a:pPr>
                 <a:defRPr/>
@@ -6098,7 +6098,7 @@
             <a:pPr>
               <a:defRPr/>
             </a:pPr>
-            <a:fld id="{07224BC2-ABA0-4DDD-9284-BB31E1693FD0}" type="slidenum">
+            <a:fld id="{9CA73A7A-3357-41C2-9AD1-41E2D1E42C2B}" type="slidenum">
               <a:rPr lang="en-US" smtClean="0"/>
               <a:pPr>
                 <a:defRPr/>
@@ -6185,7 +6185,7 @@
             <a:pPr>
               <a:defRPr/>
             </a:pPr>
-            <a:fld id="{07224BC2-ABA0-4DDD-9284-BB31E1693FD0}" type="slidenum">
+            <a:fld id="{9CA73A7A-3357-41C2-9AD1-41E2D1E42C2B}" type="slidenum">
               <a:rPr lang="en-US" smtClean="0"/>
               <a:pPr>
                 <a:defRPr/>
@@ -6272,7 +6272,7 @@
             <a:pPr>
               <a:defRPr/>
             </a:pPr>
-            <a:fld id="{07224BC2-ABA0-4DDD-9284-BB31E1693FD0}" type="slidenum">
+            <a:fld id="{9CA73A7A-3357-41C2-9AD1-41E2D1E42C2B}" type="slidenum">
               <a:rPr lang="en-US" smtClean="0"/>
               <a:pPr>
                 <a:defRPr/>
@@ -6337,7 +6337,7 @@
           <a:lstStyle/>
           <a:p>
             <a:pPr defTabSz="957263"/>
-            <a:fld id="{EC100234-09B2-4D43-BCF1-5E0A5821849B}" type="slidenum">
+            <a:fld id="{D94A5330-1D19-414A-BE85-1FA6D1F9B85B}" type="slidenum">
               <a:rPr lang="en-US" sz="1200"/>
               <a:pPr defTabSz="957263"/>
               <a:t>5</a:t>
@@ -6440,7 +6440,7 @@
           <a:lstStyle/>
           <a:p>
             <a:pPr defTabSz="950913"/>
-            <a:fld id="{FED73064-00CB-4D7E-8765-E7A87E525A43}" type="slidenum">
+            <a:fld id="{192F5C5A-76A0-409C-8DAF-318D8A4DFE33}" type="slidenum">
               <a:rPr lang="en-US" sz="1300">
                 <a:solidFill>
                   <a:srgbClr val="000000"/>
@@ -6580,7 +6580,7 @@
             <a:pPr>
               <a:defRPr/>
             </a:pPr>
-            <a:fld id="{07224BC2-ABA0-4DDD-9284-BB31E1693FD0}" type="slidenum">
+            <a:fld id="{9CA73A7A-3357-41C2-9AD1-41E2D1E42C2B}" type="slidenum">
               <a:rPr lang="en-US" smtClean="0"/>
               <a:pPr>
                 <a:defRPr/>
@@ -6645,7 +6645,7 @@
           <a:lstStyle/>
           <a:p>
             <a:pPr defTabSz="957263"/>
-            <a:fld id="{71C0F842-FA40-428C-9731-C45C33D21796}" type="slidenum">
+            <a:fld id="{46965176-3736-492B-BB5D-0EA818CF350B}" type="slidenum">
               <a:rPr lang="en-US" sz="1200"/>
               <a:pPr defTabSz="957263"/>
               <a:t>8</a:t>
@@ -6745,7 +6745,7 @@
           <a:lstStyle/>
           <a:p>
             <a:pPr defTabSz="957263"/>
-            <a:fld id="{CD796BB2-A447-434A-A291-67D59992ED8A}" type="slidenum">
+            <a:fld id="{F5AD587D-2042-4384-ADC1-B2F429E816A7}" type="slidenum">
               <a:rPr lang="en-US" sz="1200"/>
               <a:pPr defTabSz="957263"/>
               <a:t>9</a:t>
@@ -7255,7 +7255,7 @@
             <a:pPr>
               <a:defRPr/>
             </a:pPr>
-            <a:fld id="{EB8127CF-1318-43D0-8ACB-E265BFF972B2}" type="slidenum">
+            <a:fld id="{0B89A941-DBCA-4707-8941-287E5FC19289}" type="slidenum">
               <a:rPr lang="en-US"/>
               <a:pPr>
                 <a:defRPr/>
@@ -7664,7 +7664,7 @@
             <a:pPr>
               <a:defRPr/>
             </a:pPr>
-            <a:fld id="{70359F00-2C56-4905-B888-1648186A206F}" type="slidenum">
+            <a:fld id="{66C66547-40A9-48BC-935E-70D98D003643}" type="slidenum">
               <a:rPr lang="en-US"/>
               <a:pPr>
                 <a:defRPr/>
@@ -7984,7 +7984,7 @@
             <a:pPr>
               <a:defRPr/>
             </a:pPr>
-            <a:fld id="{1242A612-1029-4EA2-8426-1F313F7D35C3}" type="slidenum">
+            <a:fld id="{31CDB610-3987-4040-A7D6-3A6065A3BDCC}" type="slidenum">
               <a:rPr lang="en-US"/>
               <a:pPr>
                 <a:defRPr/>
@@ -8274,7 +8274,7 @@
             <a:pPr>
               <a:defRPr/>
             </a:pPr>
-            <a:fld id="{3AF525F1-2A03-460F-B47F-C66B0D431DB1}" type="slidenum">
+            <a:fld id="{CC7642C9-5A1E-455D-97E6-3305C0F63EA9}" type="slidenum">
               <a:rPr lang="en-US"/>
               <a:pPr>
                 <a:defRPr/>
@@ -8740,7 +8740,7 @@
             <a:pPr>
               <a:defRPr/>
             </a:pPr>
-            <a:fld id="{9D3AB913-4906-4699-B6EB-86078DC2F427}" type="slidenum">
+            <a:fld id="{128DB53B-422B-44F2-8D95-251B31AD0ED0}" type="slidenum">
               <a:rPr lang="en-US"/>
               <a:pPr>
                 <a:defRPr/>
@@ -9007,7 +9007,7 @@
             <a:pPr>
               <a:defRPr/>
             </a:pPr>
-            <a:fld id="{75E1F459-DFE8-41D9-A0A8-750DE94F12A6}" type="slidenum">
+            <a:fld id="{CA20EEA3-264F-438C-B0DC-C6C046E26CB6}" type="slidenum">
               <a:rPr lang="en-US"/>
               <a:pPr>
                 <a:defRPr/>

--- a/slides/KeyStone NETCP PA.pptx
+++ b/slides/KeyStone NETCP PA.pptx
@@ -304,7 +304,7 @@
             <a:pPr>
               <a:defRPr/>
             </a:pPr>
-            <a:fld id="{FFA9F2A6-FB0C-4327-B9B5-6F5ED23B6C08}" type="datetimeFigureOut">
+            <a:fld id="{177F60F3-2F99-48E8-9180-BEA0456A71C5}" type="datetimeFigureOut">
               <a:rPr lang="en-US"/>
               <a:pPr>
                 <a:defRPr/>
@@ -403,7 +403,7 @@
             <a:pPr>
               <a:defRPr/>
             </a:pPr>
-            <a:fld id="{EE231389-ED17-4937-B652-F9491A0CA333}" type="slidenum">
+            <a:fld id="{708EA6D1-85B5-47E7-8137-E7A36AC4B311}" type="slidenum">
               <a:rPr lang="en-US"/>
               <a:pPr>
                 <a:defRPr/>
@@ -720,7 +720,7 @@
             <a:pPr>
               <a:defRPr/>
             </a:pPr>
-            <a:fld id="{9CA73A7A-3357-41C2-9AD1-41E2D1E42C2B}" type="slidenum">
+            <a:fld id="{C07F4710-0C58-4DBF-AFFE-2C95A7E7F14E}" type="slidenum">
               <a:rPr lang="en-US"/>
               <a:pPr>
                 <a:defRPr/>
@@ -969,7 +969,7 @@
           <a:lstStyle/>
           <a:p>
             <a:pPr defTabSz="957263"/>
-            <a:fld id="{1912F747-9218-497A-8DDF-40C0A993E654}" type="slidenum">
+            <a:fld id="{CF036AE5-2D79-4342-A975-F8B98F76135B}" type="slidenum">
               <a:rPr lang="en-US" sz="1200"/>
               <a:pPr defTabSz="957263"/>
               <a:t>10</a:t>
@@ -1069,7 +1069,7 @@
           <a:lstStyle/>
           <a:p>
             <a:pPr defTabSz="957263"/>
-            <a:fld id="{DD0A613D-F910-4E07-B492-09AB9140DC88}" type="slidenum">
+            <a:fld id="{0734785D-AAE9-4F1F-A992-0FC396612AA5}" type="slidenum">
               <a:rPr lang="en-US" sz="1200"/>
               <a:pPr defTabSz="957263"/>
               <a:t>11</a:t>
@@ -1160,7 +1160,7 @@
           <a:bodyPr/>
           <a:lstStyle/>
           <a:p>
-            <a:fld id="{2EFF841F-4B4D-494E-9938-B80A8094ACFC}" type="slidenum">
+            <a:fld id="{24228AE5-6FCF-423F-BB11-3CA1321F01A8}" type="slidenum">
               <a:rPr lang="en-US" smtClean="0"/>
               <a:pPr/>
               <a:t>12</a:t>
@@ -1326,7 +1326,7 @@
           <a:bodyPr/>
           <a:lstStyle/>
           <a:p>
-            <a:fld id="{84D62F9E-EF58-4FEF-BFF8-D8E2E203831C}" type="slidenum">
+            <a:fld id="{D4EA93EB-7155-4E58-9690-DE596BD5C04D}" type="slidenum">
               <a:rPr lang="en-US" smtClean="0"/>
               <a:pPr/>
               <a:t>13</a:t>
@@ -1490,7 +1490,7 @@
           <a:lstStyle/>
           <a:p>
             <a:pPr defTabSz="957263"/>
-            <a:fld id="{3584D680-AAB9-478C-9F8C-45D115489983}" type="slidenum">
+            <a:fld id="{D9836166-C356-4552-B89C-33781D54C93C}" type="slidenum">
               <a:rPr lang="en-US" sz="1200"/>
               <a:pPr defTabSz="957263"/>
               <a:t>14</a:t>
@@ -1581,7 +1581,7 @@
           <a:bodyPr/>
           <a:lstStyle/>
           <a:p>
-            <a:fld id="{A47EF0E1-FA4F-4FA3-8E75-A2CD8D236A37}" type="slidenum">
+            <a:fld id="{BD0E3FFA-C665-4924-A25C-747BDEAA9FCE}" type="slidenum">
               <a:rPr lang="en-US" smtClean="0"/>
               <a:pPr/>
               <a:t>15</a:t>
@@ -1687,7 +1687,7 @@
           <a:bodyPr/>
           <a:lstStyle/>
           <a:p>
-            <a:fld id="{405801EC-490C-4DDA-8ACD-0FD03BBCBF7E}" type="slidenum">
+            <a:fld id="{418B87EA-42EE-4E43-BCDD-BE931DA5362C}" type="slidenum">
               <a:rPr lang="en-US" smtClean="0"/>
               <a:pPr/>
               <a:t>16</a:t>
@@ -1804,7 +1804,7 @@
           <a:bodyPr/>
           <a:lstStyle/>
           <a:p>
-            <a:fld id="{E05BF6BE-63E7-4DFD-A1C0-3FAD2AD22FD8}" type="slidenum">
+            <a:fld id="{4F59773D-6C5F-4E80-B8C7-3AD1C0473F0C}" type="slidenum">
               <a:rPr lang="en-US" smtClean="0"/>
               <a:pPr/>
               <a:t>17</a:t>
@@ -1931,7 +1931,7 @@
           <a:bodyPr/>
           <a:lstStyle/>
           <a:p>
-            <a:fld id="{A458F6BC-23F9-417C-A8D5-348DB7D2E095}" type="slidenum">
+            <a:fld id="{44475AB6-6A8A-47D0-87A4-60FDBC62CAAF}" type="slidenum">
               <a:rPr lang="en-US" smtClean="0"/>
               <a:pPr/>
               <a:t>18</a:t>
@@ -2117,7 +2117,7 @@
             <a:pPr>
               <a:defRPr/>
             </a:pPr>
-            <a:fld id="{9CA73A7A-3357-41C2-9AD1-41E2D1E42C2B}" type="slidenum">
+            <a:fld id="{C07F4710-0C58-4DBF-AFFE-2C95A7E7F14E}" type="slidenum">
               <a:rPr lang="en-US" smtClean="0"/>
               <a:pPr>
                 <a:defRPr/>
@@ -2170,7 +2170,7 @@
           <a:bodyPr/>
           <a:lstStyle/>
           <a:p>
-            <a:fld id="{FFD7463C-2995-4897-B817-784C9237A1A4}" type="slidenum">
+            <a:fld id="{38C4A0EB-52ED-426A-8ECA-C59E2FE40F4E}" type="slidenum">
               <a:rPr lang="en-US" smtClean="0"/>
               <a:pPr/>
               <a:t>2</a:t>
@@ -2295,7 +2295,7 @@
             <a:pPr>
               <a:defRPr/>
             </a:pPr>
-            <a:fld id="{9CA73A7A-3357-41C2-9AD1-41E2D1E42C2B}" type="slidenum">
+            <a:fld id="{C07F4710-0C58-4DBF-AFFE-2C95A7E7F14E}" type="slidenum">
               <a:rPr lang="en-US" smtClean="0"/>
               <a:pPr>
                 <a:defRPr/>
@@ -2360,7 +2360,7 @@
           <a:lstStyle/>
           <a:p>
             <a:pPr defTabSz="957263"/>
-            <a:fld id="{74D2F585-1F9A-4A93-AAA3-47AC82724A2B}" type="slidenum">
+            <a:fld id="{917FAF1B-85CF-41D0-B1BD-D51E3B1EAA6C}" type="slidenum">
               <a:rPr lang="en-US" sz="1200"/>
               <a:pPr defTabSz="957263"/>
               <a:t>21</a:t>
@@ -2451,7 +2451,7 @@
           <a:bodyPr/>
           <a:lstStyle/>
           <a:p>
-            <a:fld id="{35A8ED91-DD2B-4966-80A7-8A575B117665}" type="slidenum">
+            <a:fld id="{FFF1DFB9-DFC0-4F3C-BE97-E9F8DA1AC356}" type="slidenum">
               <a:rPr lang="en-US" smtClean="0"/>
               <a:pPr/>
               <a:t>22</a:t>
@@ -2617,7 +2617,7 @@
           <a:bodyPr/>
           <a:lstStyle/>
           <a:p>
-            <a:fld id="{3F095880-04EE-4272-83E4-D87C193DC5AE}" type="slidenum">
+            <a:fld id="{0E64705F-F284-46F4-A396-4F5B26BBC6D4}" type="slidenum">
               <a:rPr lang="en-US" smtClean="0"/>
               <a:pPr/>
               <a:t>23</a:t>
@@ -2948,7 +2948,7 @@
           <a:bodyPr/>
           <a:lstStyle/>
           <a:p>
-            <a:fld id="{53B14E8B-AD8B-4450-B0F5-997573A93E14}" type="slidenum">
+            <a:fld id="{56133358-3748-44D8-BD75-669D19D2B30A}" type="slidenum">
               <a:rPr lang="en-US" smtClean="0"/>
               <a:pPr/>
               <a:t>24</a:t>
@@ -3232,7 +3232,7 @@
           <a:lstStyle/>
           <a:p>
             <a:pPr defTabSz="957263"/>
-            <a:fld id="{32138783-DAAE-4EFE-81AF-04BEB08CB880}" type="slidenum">
+            <a:fld id="{7644BF2D-E412-4FF7-8F7F-4240BB538785}" type="slidenum">
               <a:rPr lang="en-US" sz="1200"/>
               <a:pPr defTabSz="957263"/>
               <a:t>25</a:t>
@@ -3381,7 +3381,7 @@
           <a:lstStyle/>
           <a:p>
             <a:pPr defTabSz="957263"/>
-            <a:fld id="{195D5B74-E29F-430A-92B8-FB14EAF1D75A}" type="slidenum">
+            <a:fld id="{70DC1F04-333B-42FE-AB3D-E83153C4B476}" type="slidenum">
               <a:rPr lang="en-US" sz="1200"/>
               <a:pPr defTabSz="957263"/>
               <a:t>26</a:t>
@@ -3552,7 +3552,7 @@
           <a:lstStyle/>
           <a:p>
             <a:pPr defTabSz="957263"/>
-            <a:fld id="{640D1C3D-6410-4651-AF4D-AAF4FA5A38CC}" type="slidenum">
+            <a:fld id="{C64ACE08-A9D3-4F32-AC48-36A0F63E9D46}" type="slidenum">
               <a:rPr lang="en-US" sz="1200"/>
               <a:pPr defTabSz="957263"/>
               <a:t>27</a:t>
@@ -3723,7 +3723,7 @@
           <a:lstStyle/>
           <a:p>
             <a:pPr defTabSz="957263"/>
-            <a:fld id="{FFB5378A-468F-4F47-83FD-E5CF3C55AD3B}" type="slidenum">
+            <a:fld id="{EC226148-D3ED-4362-8631-F42BCBB9729D}" type="slidenum">
               <a:rPr lang="en-US" sz="1200"/>
               <a:pPr defTabSz="957263"/>
               <a:t>28</a:t>
@@ -3883,7 +3883,7 @@
           <a:lstStyle/>
           <a:p>
             <a:pPr defTabSz="957263"/>
-            <a:fld id="{85CA48BA-7D1B-489E-B943-32B7D9C42C96}" type="slidenum">
+            <a:fld id="{27D75D87-8A4B-4F59-90D3-498998AFE2AA}" type="slidenum">
               <a:rPr lang="en-US" sz="1200"/>
               <a:pPr defTabSz="957263"/>
               <a:t>29</a:t>
@@ -4047,7 +4047,7 @@
           <a:lstStyle/>
           <a:p>
             <a:pPr defTabSz="957263"/>
-            <a:fld id="{91BB6211-E8B9-41AC-8531-9939D572ECC4}" type="slidenum">
+            <a:fld id="{5CB51327-DEB7-4271-A04A-A46F3857368E}" type="slidenum">
               <a:rPr lang="en-US" sz="1200"/>
               <a:pPr defTabSz="957263"/>
               <a:t>3</a:t>
@@ -4150,7 +4150,7 @@
           <a:lstStyle/>
           <a:p>
             <a:pPr defTabSz="957263"/>
-            <a:fld id="{9CFD6D9A-6937-4844-94D9-4285D0299ECA}" type="slidenum">
+            <a:fld id="{C147C7AD-D9F4-4939-A255-1642CE5C5DDB}" type="slidenum">
               <a:rPr lang="en-US" sz="1200"/>
               <a:pPr defTabSz="957263"/>
               <a:t>30</a:t>
@@ -4335,7 +4335,7 @@
           <a:lstStyle/>
           <a:p>
             <a:pPr defTabSz="957263"/>
-            <a:fld id="{AEE90BA4-E8CD-453F-A9BB-D965E7562BA0}" type="slidenum">
+            <a:fld id="{030EF494-7630-4C04-8FC5-1A8C6DC1A5A7}" type="slidenum">
               <a:rPr lang="en-US" sz="1200"/>
               <a:pPr defTabSz="957263"/>
               <a:t>31</a:t>
@@ -4513,7 +4513,7 @@
           <a:lstStyle/>
           <a:p>
             <a:pPr defTabSz="957263"/>
-            <a:fld id="{920158E2-60D3-4AEE-9D8F-7A836170B516}" type="slidenum">
+            <a:fld id="{8CE76CFD-00A0-4737-B94D-7C824A903D36}" type="slidenum">
               <a:rPr lang="en-US" sz="1200"/>
               <a:pPr defTabSz="957263"/>
               <a:t>32</a:t>
@@ -4701,7 +4701,7 @@
           <a:bodyPr/>
           <a:lstStyle/>
           <a:p>
-            <a:fld id="{5115A65E-133F-48EC-B86B-C30729AEA01B}" type="slidenum">
+            <a:fld id="{18CB990C-B08D-4629-A773-4D8EE67016A3}" type="slidenum">
               <a:rPr lang="en-US" smtClean="0"/>
               <a:pPr/>
               <a:t>33</a:t>
@@ -4843,7 +4843,7 @@
           <a:bodyPr/>
           <a:lstStyle/>
           <a:p>
-            <a:fld id="{D7866C80-75DB-4139-8CA2-8C9E355881CB}" type="slidenum">
+            <a:fld id="{A7FA5F08-54D8-4267-9B21-4ABBA8790A82}" type="slidenum">
               <a:rPr lang="en-US" smtClean="0"/>
               <a:pPr/>
               <a:t>34</a:t>
@@ -5054,7 +5054,7 @@
           <a:lstStyle/>
           <a:p>
             <a:pPr defTabSz="957263"/>
-            <a:fld id="{CEC50AC2-21E1-4FDD-8B66-0F3166574695}" type="slidenum">
+            <a:fld id="{0288D968-90D9-4C8C-AC7C-087E5F544661}" type="slidenum">
               <a:rPr lang="en-US" sz="1200"/>
               <a:pPr defTabSz="957263"/>
               <a:t>35</a:t>
@@ -5207,7 +5207,7 @@
           <a:lstStyle/>
           <a:p>
             <a:pPr defTabSz="957263"/>
-            <a:fld id="{90D86968-0F7C-4E4A-AFE5-597E91785AC5}" type="slidenum">
+            <a:fld id="{961CDCD7-3AB0-47B8-9B17-2332CA02D88D}" type="slidenum">
               <a:rPr lang="en-US" sz="1200"/>
               <a:pPr defTabSz="957263"/>
               <a:t>36</a:t>
@@ -5385,7 +5385,7 @@
           <a:lstStyle/>
           <a:p>
             <a:pPr defTabSz="957263"/>
-            <a:fld id="{12C37672-16A3-4E00-8827-6923A4C0DD63}" type="slidenum">
+            <a:fld id="{28412479-73FF-4F97-A3BA-D275911C74B6}" type="slidenum">
               <a:rPr lang="en-US" sz="1200"/>
               <a:pPr defTabSz="957263"/>
               <a:t>37</a:t>
@@ -5613,7 +5613,7 @@
             <a:pPr>
               <a:defRPr/>
             </a:pPr>
-            <a:fld id="{9CA73A7A-3357-41C2-9AD1-41E2D1E42C2B}" type="slidenum">
+            <a:fld id="{C07F4710-0C58-4DBF-AFFE-2C95A7E7F14E}" type="slidenum">
               <a:rPr lang="en-US" smtClean="0"/>
               <a:pPr>
                 <a:defRPr/>
@@ -5666,7 +5666,7 @@
           <a:bodyPr/>
           <a:lstStyle/>
           <a:p>
-            <a:fld id="{ECEC0645-DB23-4ADA-8EF2-CF926597DD6E}" type="slidenum">
+            <a:fld id="{9308EBCE-8807-4DC8-B77C-EAF28ACF4F80}" type="slidenum">
               <a:rPr lang="en-US" smtClean="0"/>
               <a:pPr/>
               <a:t>4</a:t>
@@ -5837,7 +5837,7 @@
             <a:pPr>
               <a:defRPr/>
             </a:pPr>
-            <a:fld id="{9CA73A7A-3357-41C2-9AD1-41E2D1E42C2B}" type="slidenum">
+            <a:fld id="{C07F4710-0C58-4DBF-AFFE-2C95A7E7F14E}" type="slidenum">
               <a:rPr lang="en-US" smtClean="0"/>
               <a:pPr>
                 <a:defRPr/>
@@ -5924,7 +5924,7 @@
             <a:pPr>
               <a:defRPr/>
             </a:pPr>
-            <a:fld id="{9CA73A7A-3357-41C2-9AD1-41E2D1E42C2B}" type="slidenum">
+            <a:fld id="{C07F4710-0C58-4DBF-AFFE-2C95A7E7F14E}" type="slidenum">
               <a:rPr lang="en-US" smtClean="0"/>
               <a:pPr>
                 <a:defRPr/>
@@ -6011,7 +6011,7 @@
             <a:pPr>
               <a:defRPr/>
             </a:pPr>
-            <a:fld id="{9CA73A7A-3357-41C2-9AD1-41E2D1E42C2B}" type="slidenum">
+            <a:fld id="{C07F4710-0C58-4DBF-AFFE-2C95A7E7F14E}" type="slidenum">
               <a:rPr lang="en-US" smtClean="0"/>
               <a:pPr>
                 <a:defRPr/>
@@ -6098,7 +6098,7 @@
             <a:pPr>
               <a:defRPr/>
             </a:pPr>
-            <a:fld id="{9CA73A7A-3357-41C2-9AD1-41E2D1E42C2B}" type="slidenum">
+            <a:fld id="{C07F4710-0C58-4DBF-AFFE-2C95A7E7F14E}" type="slidenum">
               <a:rPr lang="en-US" smtClean="0"/>
               <a:pPr>
                 <a:defRPr/>
@@ -6185,7 +6185,7 @@
             <a:pPr>
               <a:defRPr/>
             </a:pPr>
-            <a:fld id="{9CA73A7A-3357-41C2-9AD1-41E2D1E42C2B}" type="slidenum">
+            <a:fld id="{C07F4710-0C58-4DBF-AFFE-2C95A7E7F14E}" type="slidenum">
               <a:rPr lang="en-US" smtClean="0"/>
               <a:pPr>
                 <a:defRPr/>
@@ -6272,7 +6272,7 @@
             <a:pPr>
               <a:defRPr/>
             </a:pPr>
-            <a:fld id="{9CA73A7A-3357-41C2-9AD1-41E2D1E42C2B}" type="slidenum">
+            <a:fld id="{C07F4710-0C58-4DBF-AFFE-2C95A7E7F14E}" type="slidenum">
               <a:rPr lang="en-US" smtClean="0"/>
               <a:pPr>
                 <a:defRPr/>
@@ -6337,7 +6337,7 @@
           <a:lstStyle/>
           <a:p>
             <a:pPr defTabSz="957263"/>
-            <a:fld id="{D94A5330-1D19-414A-BE85-1FA6D1F9B85B}" type="slidenum">
+            <a:fld id="{5454B3B3-3629-4B0D-902A-C5CD8A3DB568}" type="slidenum">
               <a:rPr lang="en-US" sz="1200"/>
               <a:pPr defTabSz="957263"/>
               <a:t>5</a:t>
@@ -6440,7 +6440,7 @@
           <a:lstStyle/>
           <a:p>
             <a:pPr defTabSz="950913"/>
-            <a:fld id="{192F5C5A-76A0-409C-8DAF-318D8A4DFE33}" type="slidenum">
+            <a:fld id="{271DC9B4-ACE6-423A-B6FC-74D23E26B6F6}" type="slidenum">
               <a:rPr lang="en-US" sz="1300">
                 <a:solidFill>
                   <a:srgbClr val="000000"/>
@@ -6580,7 +6580,7 @@
             <a:pPr>
               <a:defRPr/>
             </a:pPr>
-            <a:fld id="{9CA73A7A-3357-41C2-9AD1-41E2D1E42C2B}" type="slidenum">
+            <a:fld id="{C07F4710-0C58-4DBF-AFFE-2C95A7E7F14E}" type="slidenum">
               <a:rPr lang="en-US" smtClean="0"/>
               <a:pPr>
                 <a:defRPr/>
@@ -6645,7 +6645,7 @@
           <a:lstStyle/>
           <a:p>
             <a:pPr defTabSz="957263"/>
-            <a:fld id="{46965176-3736-492B-BB5D-0EA818CF350B}" type="slidenum">
+            <a:fld id="{0C1486A3-A3FB-480B-876B-1741698FB115}" type="slidenum">
               <a:rPr lang="en-US" sz="1200"/>
               <a:pPr defTabSz="957263"/>
               <a:t>8</a:t>
@@ -6745,7 +6745,7 @@
           <a:lstStyle/>
           <a:p>
             <a:pPr defTabSz="957263"/>
-            <a:fld id="{F5AD587D-2042-4384-ADC1-B2F429E816A7}" type="slidenum">
+            <a:fld id="{3ED54DE9-45DD-4EE8-900F-6075C41EA7A6}" type="slidenum">
               <a:rPr lang="en-US" sz="1200"/>
               <a:pPr defTabSz="957263"/>
               <a:t>9</a:t>
@@ -7255,7 +7255,7 @@
             <a:pPr>
               <a:defRPr/>
             </a:pPr>
-            <a:fld id="{0B89A941-DBCA-4707-8941-287E5FC19289}" type="slidenum">
+            <a:fld id="{78707194-9711-4EB9-AE0B-CC1B201B58DB}" type="slidenum">
               <a:rPr lang="en-US"/>
               <a:pPr>
                 <a:defRPr/>
@@ -7664,7 +7664,7 @@
             <a:pPr>
               <a:defRPr/>
             </a:pPr>
-            <a:fld id="{66C66547-40A9-48BC-935E-70D98D003643}" type="slidenum">
+            <a:fld id="{BC42BEEB-58E6-4AF0-99A5-0954A8156969}" type="slidenum">
               <a:rPr lang="en-US"/>
               <a:pPr>
                 <a:defRPr/>
@@ -7984,7 +7984,7 @@
             <a:pPr>
               <a:defRPr/>
             </a:pPr>
-            <a:fld id="{31CDB610-3987-4040-A7D6-3A6065A3BDCC}" type="slidenum">
+            <a:fld id="{4F109ED8-E342-4AC0-945F-E3F5EB6A9930}" type="slidenum">
               <a:rPr lang="en-US"/>
               <a:pPr>
                 <a:defRPr/>
@@ -8274,7 +8274,7 @@
             <a:pPr>
               <a:defRPr/>
             </a:pPr>
-            <a:fld id="{CC7642C9-5A1E-455D-97E6-3305C0F63EA9}" type="slidenum">
+            <a:fld id="{9AC59638-44AC-48E9-8CD9-AE1F959A1D0C}" type="slidenum">
               <a:rPr lang="en-US"/>
               <a:pPr>
                 <a:defRPr/>
@@ -8740,7 +8740,7 @@
             <a:pPr>
               <a:defRPr/>
             </a:pPr>
-            <a:fld id="{128DB53B-422B-44F2-8D95-251B31AD0ED0}" type="slidenum">
+            <a:fld id="{5BD005D3-4BF4-4219-B6EA-35CB1B9B7F1E}" type="slidenum">
               <a:rPr lang="en-US"/>
               <a:pPr>
                 <a:defRPr/>
@@ -9007,7 +9007,7 @@
             <a:pPr>
               <a:defRPr/>
             </a:pPr>
-            <a:fld id="{CA20EEA3-264F-438C-B0DC-C6C046E26CB6}" type="slidenum">
+            <a:fld id="{694E7ED4-38B7-46B0-921C-0812E82FA772}" type="slidenum">
               <a:rPr lang="en-US"/>
               <a:pPr>
                 <a:defRPr/>

--- a/slides/KeyStone NETCP PA.pptx
+++ b/slides/KeyStone NETCP PA.pptx
@@ -309,7 +309,7 @@
               <a:pPr>
                 <a:defRPr/>
               </a:pPr>
-              <a:t>3/21/2012</a:t>
+              <a:t>4/30/2012</a:t>
             </a:fld>
             <a:endParaRPr lang="en-US"/>
           </a:p>
@@ -539,7 +539,7 @@
         <p:nvSpPr>
           <p:cNvPr id="56324" name="Rectangle 4"/>
           <p:cNvSpPr>
-            <a:spLocks noRot="1" noChangeArrowheads="1" noTextEdit="1"/>
+            <a:spLocks noGrp="1" noRot="1" noChangeAspect="1" noChangeArrowheads="1" noTextEdit="1"/>
           </p:cNvSpPr>
           <p:nvPr>
             <p:ph type="sldImg" idx="2"/>
@@ -880,7 +880,7 @@
         <p:nvSpPr>
           <p:cNvPr id="57346" name="Rectangle 2"/>
           <p:cNvSpPr>
-            <a:spLocks noRot="1" noChangeArrowheads="1" noTextEdit="1"/>
+            <a:spLocks noGrp="1" noRot="1" noChangeAspect="1" noChangeArrowheads="1" noTextEdit="1"/>
           </p:cNvSpPr>
           <p:nvPr>
             <p:ph type="sldImg"/>
@@ -982,7 +982,7 @@
         <p:nvSpPr>
           <p:cNvPr id="65539" name="Rectangle 2"/>
           <p:cNvSpPr>
-            <a:spLocks noRot="1" noChangeArrowheads="1" noTextEdit="1"/>
+            <a:spLocks noGrp="1" noRot="1" noChangeAspect="1" noChangeArrowheads="1" noTextEdit="1"/>
           </p:cNvSpPr>
           <p:nvPr>
             <p:ph type="sldImg"/>
@@ -1082,7 +1082,7 @@
         <p:nvSpPr>
           <p:cNvPr id="66563" name="Rectangle 2"/>
           <p:cNvSpPr>
-            <a:spLocks noRot="1" noChangeArrowheads="1" noTextEdit="1"/>
+            <a:spLocks noGrp="1" noRot="1" noChangeAspect="1" noChangeArrowheads="1" noTextEdit="1"/>
           </p:cNvSpPr>
           <p:nvPr>
             <p:ph type="sldImg"/>
@@ -1173,7 +1173,7 @@
         <p:nvSpPr>
           <p:cNvPr id="67587" name="Rectangle 2"/>
           <p:cNvSpPr>
-            <a:spLocks noRot="1" noChangeArrowheads="1" noTextEdit="1"/>
+            <a:spLocks noGrp="1" noRot="1" noChangeAspect="1" noChangeArrowheads="1" noTextEdit="1"/>
           </p:cNvSpPr>
           <p:nvPr>
             <p:ph type="sldImg"/>
@@ -1339,7 +1339,7 @@
         <p:nvSpPr>
           <p:cNvPr id="68611" name="Rectangle 2"/>
           <p:cNvSpPr>
-            <a:spLocks noRot="1" noChangeArrowheads="1" noTextEdit="1"/>
+            <a:spLocks noGrp="1" noRot="1" noChangeAspect="1" noChangeArrowheads="1" noTextEdit="1"/>
           </p:cNvSpPr>
           <p:nvPr>
             <p:ph type="sldImg"/>
@@ -1503,7 +1503,7 @@
         <p:nvSpPr>
           <p:cNvPr id="69635" name="Rectangle 2"/>
           <p:cNvSpPr>
-            <a:spLocks noRot="1" noChangeArrowheads="1" noTextEdit="1"/>
+            <a:spLocks noGrp="1" noRot="1" noChangeAspect="1" noChangeArrowheads="1" noTextEdit="1"/>
           </p:cNvSpPr>
           <p:nvPr>
             <p:ph type="sldImg"/>
@@ -1594,7 +1594,7 @@
         <p:nvSpPr>
           <p:cNvPr id="70659" name="Rectangle 2"/>
           <p:cNvSpPr>
-            <a:spLocks noRot="1" noChangeArrowheads="1" noTextEdit="1"/>
+            <a:spLocks noGrp="1" noRot="1" noChangeAspect="1" noChangeArrowheads="1" noTextEdit="1"/>
           </p:cNvSpPr>
           <p:nvPr>
             <p:ph type="sldImg"/>
@@ -1700,7 +1700,7 @@
         <p:nvSpPr>
           <p:cNvPr id="71683" name="Rectangle 2"/>
           <p:cNvSpPr>
-            <a:spLocks noRot="1" noChangeArrowheads="1" noTextEdit="1"/>
+            <a:spLocks noGrp="1" noRot="1" noChangeAspect="1" noChangeArrowheads="1" noTextEdit="1"/>
           </p:cNvSpPr>
           <p:nvPr>
             <p:ph type="sldImg"/>
@@ -1817,7 +1817,7 @@
         <p:nvSpPr>
           <p:cNvPr id="72707" name="Rectangle 2"/>
           <p:cNvSpPr>
-            <a:spLocks noRot="1" noChangeArrowheads="1" noTextEdit="1"/>
+            <a:spLocks noGrp="1" noRot="1" noChangeAspect="1" noChangeArrowheads="1" noTextEdit="1"/>
           </p:cNvSpPr>
           <p:nvPr>
             <p:ph type="sldImg"/>
@@ -1944,7 +1944,7 @@
         <p:nvSpPr>
           <p:cNvPr id="73731" name="Rectangle 2"/>
           <p:cNvSpPr>
-            <a:spLocks noRot="1" noChangeArrowheads="1" noTextEdit="1"/>
+            <a:spLocks noGrp="1" noRot="1" noChangeAspect="1" noChangeArrowheads="1" noTextEdit="1"/>
           </p:cNvSpPr>
           <p:nvPr>
             <p:ph type="sldImg"/>
@@ -2183,7 +2183,7 @@
         <p:nvSpPr>
           <p:cNvPr id="58371" name="Rectangle 2"/>
           <p:cNvSpPr>
-            <a:spLocks noRot="1" noChangeArrowheads="1" noTextEdit="1"/>
+            <a:spLocks noGrp="1" noRot="1" noChangeAspect="1" noChangeArrowheads="1" noTextEdit="1"/>
           </p:cNvSpPr>
           <p:nvPr>
             <p:ph type="sldImg"/>
@@ -2373,7 +2373,7 @@
         <p:nvSpPr>
           <p:cNvPr id="74755" name="Rectangle 2"/>
           <p:cNvSpPr>
-            <a:spLocks noRot="1" noChangeArrowheads="1" noTextEdit="1"/>
+            <a:spLocks noGrp="1" noRot="1" noChangeAspect="1" noChangeArrowheads="1" noTextEdit="1"/>
           </p:cNvSpPr>
           <p:nvPr>
             <p:ph type="sldImg"/>
@@ -2464,7 +2464,7 @@
         <p:nvSpPr>
           <p:cNvPr id="75779" name="Rectangle 2"/>
           <p:cNvSpPr>
-            <a:spLocks noRot="1" noChangeArrowheads="1" noTextEdit="1"/>
+            <a:spLocks noGrp="1" noRot="1" noChangeAspect="1" noChangeArrowheads="1" noTextEdit="1"/>
           </p:cNvSpPr>
           <p:nvPr>
             <p:ph type="sldImg"/>
@@ -2630,7 +2630,7 @@
         <p:nvSpPr>
           <p:cNvPr id="76803" name="Rectangle 2"/>
           <p:cNvSpPr>
-            <a:spLocks noRot="1" noChangeArrowheads="1" noTextEdit="1"/>
+            <a:spLocks noGrp="1" noRot="1" noChangeAspect="1" noChangeArrowheads="1" noTextEdit="1"/>
           </p:cNvSpPr>
           <p:nvPr>
             <p:ph type="sldImg"/>
@@ -2961,7 +2961,7 @@
         <p:nvSpPr>
           <p:cNvPr id="77827" name="Rectangle 2"/>
           <p:cNvSpPr>
-            <a:spLocks noRot="1" noChangeArrowheads="1" noTextEdit="1"/>
+            <a:spLocks noGrp="1" noRot="1" noChangeAspect="1" noChangeArrowheads="1" noTextEdit="1"/>
           </p:cNvSpPr>
           <p:nvPr>
             <p:ph type="sldImg"/>
@@ -3245,7 +3245,7 @@
         <p:nvSpPr>
           <p:cNvPr id="78851" name="Rectangle 2"/>
           <p:cNvSpPr>
-            <a:spLocks noRot="1" noChangeArrowheads="1" noTextEdit="1"/>
+            <a:spLocks noGrp="1" noRot="1" noChangeAspect="1" noChangeArrowheads="1" noTextEdit="1"/>
           </p:cNvSpPr>
           <p:nvPr>
             <p:ph type="sldImg"/>
@@ -3394,7 +3394,7 @@
         <p:nvSpPr>
           <p:cNvPr id="79875" name="Rectangle 2"/>
           <p:cNvSpPr>
-            <a:spLocks noRot="1" noChangeArrowheads="1" noTextEdit="1"/>
+            <a:spLocks noGrp="1" noRot="1" noChangeAspect="1" noChangeArrowheads="1" noTextEdit="1"/>
           </p:cNvSpPr>
           <p:nvPr>
             <p:ph type="sldImg"/>
@@ -3565,7 +3565,7 @@
         <p:nvSpPr>
           <p:cNvPr id="80899" name="Rectangle 2"/>
           <p:cNvSpPr>
-            <a:spLocks noRot="1" noChangeArrowheads="1" noTextEdit="1"/>
+            <a:spLocks noGrp="1" noRot="1" noChangeAspect="1" noChangeArrowheads="1" noTextEdit="1"/>
           </p:cNvSpPr>
           <p:nvPr>
             <p:ph type="sldImg"/>
@@ -3736,7 +3736,7 @@
         <p:nvSpPr>
           <p:cNvPr id="81923" name="Rectangle 2"/>
           <p:cNvSpPr>
-            <a:spLocks noRot="1" noChangeArrowheads="1" noTextEdit="1"/>
+            <a:spLocks noGrp="1" noRot="1" noChangeAspect="1" noChangeArrowheads="1" noTextEdit="1"/>
           </p:cNvSpPr>
           <p:nvPr>
             <p:ph type="sldImg"/>
@@ -3896,7 +3896,7 @@
         <p:nvSpPr>
           <p:cNvPr id="82947" name="Rectangle 2"/>
           <p:cNvSpPr>
-            <a:spLocks noRot="1" noChangeArrowheads="1" noTextEdit="1"/>
+            <a:spLocks noGrp="1" noRot="1" noChangeAspect="1" noChangeArrowheads="1" noTextEdit="1"/>
           </p:cNvSpPr>
           <p:nvPr>
             <p:ph type="sldImg"/>
@@ -4060,7 +4060,7 @@
         <p:nvSpPr>
           <p:cNvPr id="59395" name="Rectangle 2"/>
           <p:cNvSpPr>
-            <a:spLocks noRot="1" noChangeArrowheads="1" noTextEdit="1"/>
+            <a:spLocks noGrp="1" noRot="1" noChangeAspect="1" noChangeArrowheads="1" noTextEdit="1"/>
           </p:cNvSpPr>
           <p:nvPr>
             <p:ph type="sldImg"/>
@@ -4163,7 +4163,7 @@
         <p:nvSpPr>
           <p:cNvPr id="83971" name="Rectangle 2"/>
           <p:cNvSpPr>
-            <a:spLocks noRot="1" noChangeArrowheads="1" noTextEdit="1"/>
+            <a:spLocks noGrp="1" noRot="1" noChangeAspect="1" noChangeArrowheads="1" noTextEdit="1"/>
           </p:cNvSpPr>
           <p:nvPr>
             <p:ph type="sldImg"/>
@@ -4348,7 +4348,7 @@
         <p:nvSpPr>
           <p:cNvPr id="84995" name="Rectangle 2"/>
           <p:cNvSpPr>
-            <a:spLocks noRot="1" noChangeArrowheads="1" noTextEdit="1"/>
+            <a:spLocks noGrp="1" noRot="1" noChangeAspect="1" noChangeArrowheads="1" noTextEdit="1"/>
           </p:cNvSpPr>
           <p:nvPr>
             <p:ph type="sldImg"/>
@@ -4526,7 +4526,7 @@
         <p:nvSpPr>
           <p:cNvPr id="86019" name="Rectangle 2"/>
           <p:cNvSpPr>
-            <a:spLocks noRot="1" noChangeArrowheads="1" noTextEdit="1"/>
+            <a:spLocks noGrp="1" noRot="1" noChangeAspect="1" noChangeArrowheads="1" noTextEdit="1"/>
           </p:cNvSpPr>
           <p:nvPr>
             <p:ph type="sldImg"/>
@@ -4714,7 +4714,7 @@
         <p:nvSpPr>
           <p:cNvPr id="87043" name="Rectangle 2"/>
           <p:cNvSpPr>
-            <a:spLocks noRot="1" noChangeArrowheads="1" noTextEdit="1"/>
+            <a:spLocks noGrp="1" noRot="1" noChangeAspect="1" noChangeArrowheads="1" noTextEdit="1"/>
           </p:cNvSpPr>
           <p:nvPr>
             <p:ph type="sldImg"/>
@@ -4856,7 +4856,7 @@
         <p:nvSpPr>
           <p:cNvPr id="88067" name="Rectangle 2"/>
           <p:cNvSpPr>
-            <a:spLocks noRot="1" noChangeArrowheads="1" noTextEdit="1"/>
+            <a:spLocks noGrp="1" noRot="1" noChangeAspect="1" noChangeArrowheads="1" noTextEdit="1"/>
           </p:cNvSpPr>
           <p:nvPr>
             <p:ph type="sldImg"/>
@@ -5067,7 +5067,7 @@
         <p:nvSpPr>
           <p:cNvPr id="89091" name="Rectangle 2"/>
           <p:cNvSpPr>
-            <a:spLocks noRot="1" noChangeArrowheads="1" noTextEdit="1"/>
+            <a:spLocks noGrp="1" noRot="1" noChangeAspect="1" noChangeArrowheads="1" noTextEdit="1"/>
           </p:cNvSpPr>
           <p:nvPr>
             <p:ph type="sldImg"/>
@@ -5220,7 +5220,7 @@
         <p:nvSpPr>
           <p:cNvPr id="90115" name="Rectangle 2"/>
           <p:cNvSpPr>
-            <a:spLocks noRot="1" noChangeArrowheads="1" noTextEdit="1"/>
+            <a:spLocks noGrp="1" noRot="1" noChangeAspect="1" noChangeArrowheads="1" noTextEdit="1"/>
           </p:cNvSpPr>
           <p:nvPr>
             <p:ph type="sldImg"/>
@@ -5398,7 +5398,7 @@
         <p:nvSpPr>
           <p:cNvPr id="91139" name="Rectangle 2"/>
           <p:cNvSpPr>
-            <a:spLocks noRot="1" noChangeArrowheads="1" noTextEdit="1"/>
+            <a:spLocks noGrp="1" noRot="1" noChangeAspect="1" noChangeArrowheads="1" noTextEdit="1"/>
           </p:cNvSpPr>
           <p:nvPr>
             <p:ph type="sldImg"/>
@@ -5502,7 +5502,7 @@
         <p:nvSpPr>
           <p:cNvPr id="92162" name="Rectangle 2"/>
           <p:cNvSpPr>
-            <a:spLocks noRot="1" noChangeArrowheads="1" noTextEdit="1"/>
+            <a:spLocks noGrp="1" noRot="1" noChangeAspect="1" noChangeArrowheads="1" noTextEdit="1"/>
           </p:cNvSpPr>
           <p:nvPr>
             <p:ph type="sldImg"/>
@@ -5679,7 +5679,7 @@
         <p:nvSpPr>
           <p:cNvPr id="60419" name="Rectangle 2"/>
           <p:cNvSpPr>
-            <a:spLocks noRot="1" noChangeArrowheads="1" noTextEdit="1"/>
+            <a:spLocks noGrp="1" noRot="1" noChangeAspect="1" noChangeArrowheads="1" noTextEdit="1"/>
           </p:cNvSpPr>
           <p:nvPr>
             <p:ph type="sldImg"/>
@@ -6350,7 +6350,7 @@
         <p:nvSpPr>
           <p:cNvPr id="61443" name="Rectangle 2"/>
           <p:cNvSpPr>
-            <a:spLocks noRot="1" noChangeArrowheads="1" noTextEdit="1"/>
+            <a:spLocks noGrp="1" noRot="1" noChangeAspect="1" noChangeArrowheads="1" noTextEdit="1"/>
           </p:cNvSpPr>
           <p:nvPr>
             <p:ph type="sldImg"/>
@@ -6658,7 +6658,7 @@
         <p:nvSpPr>
           <p:cNvPr id="63491" name="Rectangle 2"/>
           <p:cNvSpPr>
-            <a:spLocks noRot="1" noChangeArrowheads="1" noTextEdit="1"/>
+            <a:spLocks noGrp="1" noRot="1" noChangeAspect="1" noChangeArrowheads="1" noTextEdit="1"/>
           </p:cNvSpPr>
           <p:nvPr>
             <p:ph type="sldImg"/>
@@ -6758,7 +6758,7 @@
         <p:nvSpPr>
           <p:cNvPr id="64515" name="Rectangle 2"/>
           <p:cNvSpPr>
-            <a:spLocks noRot="1" noChangeArrowheads="1" noTextEdit="1"/>
+            <a:spLocks noGrp="1" noRot="1" noChangeAspect="1" noChangeArrowheads="1" noTextEdit="1"/>
           </p:cNvSpPr>
           <p:nvPr>
             <p:ph type="sldImg"/>
@@ -9140,8 +9140,8 @@
         </p:nvSpPr>
         <p:spPr>
           <a:xfrm>
-            <a:off x="7930120" y="6498264"/>
-            <a:ext cx="856260" cy="276999"/>
+            <a:off x="7424533" y="6498264"/>
+            <a:ext cx="1357103" cy="276999"/>
           </a:xfrm>
           <a:prstGeom prst="rect">
             <a:avLst/>
@@ -9165,6 +9165,25 @@
               </a:spcAft>
               <a:defRPr/>
             </a:pPr>
+            <a:r>
+              <a:rPr lang="en-US" sz="1200" b="1" dirty="0" smtClean="0">
+                <a:ln w="10541" cmpd="sng">
+                  <a:solidFill>
+                    <a:srgbClr val="7D7D7D">
+                      <a:tint val="100000"/>
+                      <a:shade val="100000"/>
+                      <a:satMod val="110000"/>
+                    </a:srgbClr>
+                  </a:solidFill>
+                  <a:prstDash val="solid"/>
+                </a:ln>
+                <a:solidFill>
+                  <a:prstClr val="black"/>
+                </a:solidFill>
+                <a:latin typeface="Calibri"/>
+              </a:rPr>
+              <a:t>Multicore </a:t>
+            </a:r>
             <a:r>
               <a:rPr lang="en-US" sz="1200" b="1" dirty="0">
                 <a:ln w="10541" cmpd="sng">
@@ -9182,7 +9201,7 @@
                 </a:solidFill>
                 <a:latin typeface="Calibri"/>
               </a:rPr>
-              <a:t>CI Training</a:t>
+              <a:t>Training</a:t>
             </a:r>
           </a:p>
         </p:txBody>
@@ -9669,26 +9688,7 @@
                 </a:solidFill>
                 <a:latin typeface="Calibri"/>
               </a:rPr>
-              <a:t>Multicore </a:t>
-            </a:r>
-            <a:r>
-              <a:rPr lang="en-US" sz="1200" b="1" dirty="0">
-                <a:ln w="10541" cmpd="sng">
-                  <a:solidFill>
-                    <a:srgbClr val="7D7D7D">
-                      <a:tint val="100000"/>
-                      <a:shade val="100000"/>
-                      <a:satMod val="110000"/>
-                    </a:srgbClr>
-                  </a:solidFill>
-                  <a:prstDash val="solid"/>
-                </a:ln>
-                <a:solidFill>
-                  <a:prstClr val="black"/>
-                </a:solidFill>
-                <a:latin typeface="Calibri"/>
-              </a:rPr>
-              <a:t>Training</a:t>
+              <a:t>Multicore Training</a:t>
             </a:r>
           </a:p>
         </p:txBody>
@@ -12093,7 +12093,7 @@
         </p:nvGraphicFramePr>
         <p:xfrm>
           <a:off x="304800" y="985838"/>
-          <a:ext cx="8467725" cy="3633787"/>
+          <a:ext cx="8467725" cy="3634110"/>
         </p:xfrm>
         <a:graphic>
           <a:graphicData uri="http://schemas.openxmlformats.org/drawingml/2006/table">
@@ -15005,7 +15005,7 @@
         </p:nvGraphicFramePr>
         <p:xfrm>
           <a:off x="381000" y="904875"/>
-          <a:ext cx="5562600" cy="5394325"/>
+          <a:ext cx="5562600" cy="5394960"/>
         </p:xfrm>
         <a:graphic>
           <a:graphicData uri="http://schemas.openxmlformats.org/drawingml/2006/table">
@@ -18902,7 +18902,7 @@
         </p:nvGraphicFramePr>
         <p:xfrm>
           <a:off x="276225" y="1114425"/>
-          <a:ext cx="8181975" cy="3122613"/>
+          <a:ext cx="8181975" cy="3122930"/>
         </p:xfrm>
         <a:graphic>
           <a:graphicData uri="http://schemas.openxmlformats.org/drawingml/2006/table">
@@ -20990,7 +20990,7 @@
         </p:nvGraphicFramePr>
         <p:xfrm>
           <a:off x="304800" y="1033463"/>
-          <a:ext cx="8467725" cy="1012825"/>
+          <a:ext cx="8467725" cy="1012508"/>
         </p:xfrm>
         <a:graphic>
           <a:graphicData uri="http://schemas.openxmlformats.org/drawingml/2006/table">
